--- a/果酱-转正述职模板.pptx
+++ b/果酱-转正述职模板.pptx
@@ -114,7 +114,7 @@
   </p:defaultTextStyle>
   <p:extLst>
     <p:ext uri="{EFAFB233-063F-42B5-8137-9DF3F51BA10A}">
-      <p15:sldGuideLst xmlns:p15="http://schemas.microsoft.com/office/powerpoint/2012/main">
+      <p15:sldGuideLst xmlns:p15="http://schemas.microsoft.com/office/powerpoint/2012/main" xmlns="">
         <p15:guide id="1" orient="horz" pos="2113">
           <p15:clr>
             <a:srgbClr val="A4A3A4"/>
@@ -128,7 +128,7 @@
       </p15:sldGuideLst>
     </p:ext>
     <p:ext uri="{2D200454-40CA-4A62-9FC3-DE9A4176ACB9}">
-      <p15:notesGuideLst xmlns:p15="http://schemas.microsoft.com/office/powerpoint/2012/main">
+      <p15:notesGuideLst xmlns:p15="http://schemas.microsoft.com/office/powerpoint/2012/main" xmlns="">
         <p15:guide id="1" orient="horz" pos="2817">
           <p15:clr>
             <a:srgbClr val="A4A3A4"/>
@@ -228,7 +228,7 @@
             <a:fld id="{3D534892-2594-4348-9B59-391C3F1BE7C4}" type="datetimeFigureOut">
               <a:rPr lang="zh-CN" altLang="en-US" smtClean="0"/>
               <a:pPr/>
-              <a:t>2016/7/13</a:t>
+              <a:t>17/12/1</a:t>
             </a:fld>
             <a:endParaRPr lang="zh-CN" altLang="en-US"/>
           </a:p>
@@ -522,7 +522,7 @@
   <p:timing>
     <p:tnLst>
       <p:par>
-        <p:cTn id="1" dur="indefinite" restart="never" nodeType="tmRoot"/>
+        <p:cTn xmlns:p14="http://schemas.microsoft.com/office/powerpoint/2010/main" id="1" dur="indefinite" restart="never" nodeType="tmRoot"/>
       </p:par>
     </p:tnLst>
   </p:timing>
@@ -638,7 +638,7 @@
   <p:timing>
     <p:tnLst>
       <p:par>
-        <p:cTn id="1" dur="indefinite" restart="never" nodeType="tmRoot"/>
+        <p:cTn xmlns:p14="http://schemas.microsoft.com/office/powerpoint/2010/main" id="1" dur="indefinite" restart="never" nodeType="tmRoot"/>
       </p:par>
     </p:tnLst>
   </p:timing>
@@ -749,7 +749,7 @@
   <p:timing>
     <p:tnLst>
       <p:par>
-        <p:cTn id="1" dur="indefinite" restart="never" nodeType="tmRoot"/>
+        <p:cTn xmlns:p14="http://schemas.microsoft.com/office/powerpoint/2010/main" id="1" dur="indefinite" restart="never" nodeType="tmRoot"/>
       </p:par>
     </p:tnLst>
   </p:timing>
@@ -860,7 +860,7 @@
   <p:timing>
     <p:tnLst>
       <p:par>
-        <p:cTn id="1" dur="indefinite" restart="never" nodeType="tmRoot"/>
+        <p:cTn xmlns:p14="http://schemas.microsoft.com/office/powerpoint/2010/main" id="1" dur="indefinite" restart="never" nodeType="tmRoot"/>
       </p:par>
     </p:tnLst>
   </p:timing>
@@ -971,7 +971,7 @@
   <p:timing>
     <p:tnLst>
       <p:par>
-        <p:cTn id="1" dur="indefinite" restart="never" nodeType="tmRoot"/>
+        <p:cTn xmlns:p14="http://schemas.microsoft.com/office/powerpoint/2010/main" id="1" dur="indefinite" restart="never" nodeType="tmRoot"/>
       </p:par>
     </p:tnLst>
   </p:timing>
@@ -1087,7 +1087,7 @@
   <p:timing>
     <p:tnLst>
       <p:par>
-        <p:cTn id="1" dur="indefinite" restart="never" nodeType="tmRoot"/>
+        <p:cTn xmlns:p14="http://schemas.microsoft.com/office/powerpoint/2010/main" id="1" dur="indefinite" restart="never" nodeType="tmRoot"/>
       </p:par>
     </p:tnLst>
   </p:timing>
@@ -1203,7 +1203,7 @@
   <p:timing>
     <p:tnLst>
       <p:par>
-        <p:cTn id="1" dur="indefinite" restart="never" nodeType="tmRoot"/>
+        <p:cTn xmlns:p14="http://schemas.microsoft.com/office/powerpoint/2010/main" id="1" dur="indefinite" restart="never" nodeType="tmRoot"/>
       </p:par>
     </p:tnLst>
   </p:timing>
@@ -1319,7 +1319,7 @@
   <p:timing>
     <p:tnLst>
       <p:par>
-        <p:cTn id="1" dur="indefinite" restart="never" nodeType="tmRoot"/>
+        <p:cTn xmlns:p14="http://schemas.microsoft.com/office/powerpoint/2010/main" id="1" dur="indefinite" restart="never" nodeType="tmRoot"/>
       </p:par>
     </p:tnLst>
   </p:timing>
@@ -1435,7 +1435,7 @@
   <p:timing>
     <p:tnLst>
       <p:par>
-        <p:cTn id="1" dur="indefinite" restart="never" nodeType="tmRoot"/>
+        <p:cTn xmlns:p14="http://schemas.microsoft.com/office/powerpoint/2010/main" id="1" dur="indefinite" restart="never" nodeType="tmRoot"/>
       </p:par>
     </p:tnLst>
   </p:timing>
@@ -1551,7 +1551,7 @@
   <p:timing>
     <p:tnLst>
       <p:par>
-        <p:cTn id="1" dur="indefinite" restart="never" nodeType="tmRoot"/>
+        <p:cTn xmlns:p14="http://schemas.microsoft.com/office/powerpoint/2010/main" id="1" dur="indefinite" restart="never" nodeType="tmRoot"/>
       </p:par>
     </p:tnLst>
   </p:timing>
@@ -1667,7 +1667,7 @@
   <p:timing>
     <p:tnLst>
       <p:par>
-        <p:cTn id="1" dur="indefinite" restart="never" nodeType="tmRoot"/>
+        <p:cTn xmlns:p14="http://schemas.microsoft.com/office/powerpoint/2010/main" id="1" dur="indefinite" restart="never" nodeType="tmRoot"/>
       </p:par>
     </p:tnLst>
   </p:timing>
@@ -1969,7 +1969,7 @@
   <p:timing>
     <p:tnLst>
       <p:par>
-        <p:cTn id="1" dur="indefinite" restart="never" nodeType="tmRoot"/>
+        <p:cTn xmlns:p14="http://schemas.microsoft.com/office/powerpoint/2010/main" id="1" dur="indefinite" restart="never" nodeType="tmRoot"/>
       </p:par>
     </p:tnLst>
   </p:timing>
@@ -2654,8 +2654,35 @@
                 <a:latin typeface="华文细黑" panose="02010600040101010101" pitchFamily="2" charset="-122"/>
                 <a:ea typeface="华文细黑" panose="02010600040101010101" pitchFamily="2" charset="-122"/>
               </a:rPr>
-              <a:t>报  告  人：</a:t>
-            </a:r>
+              <a:t>报  告  人</a:t>
+            </a:r>
+            <a:r>
+              <a:rPr lang="zh-CN" altLang="en-US" sz="2600" dirty="0" smtClean="0">
+                <a:solidFill>
+                  <a:srgbClr val="898989"/>
+                </a:solidFill>
+                <a:latin typeface="华文细黑" panose="02010600040101010101" pitchFamily="2" charset="-122"/>
+                <a:ea typeface="华文细黑" panose="02010600040101010101" pitchFamily="2" charset="-122"/>
+              </a:rPr>
+              <a:t>：</a:t>
+            </a:r>
+            <a:r>
+              <a:rPr lang="zh-CN" altLang="en-US" sz="2600" dirty="0" smtClean="0">
+                <a:solidFill>
+                  <a:srgbClr val="898989"/>
+                </a:solidFill>
+                <a:latin typeface="华文细黑" panose="02010600040101010101" pitchFamily="2" charset="-122"/>
+                <a:ea typeface="华文细黑" panose="02010600040101010101" pitchFamily="2" charset="-122"/>
+              </a:rPr>
+              <a:t>杨冬</a:t>
+            </a:r>
+            <a:endParaRPr lang="zh-CN" altLang="en-US" sz="2600" dirty="0" smtClean="0">
+              <a:solidFill>
+                <a:srgbClr val="898989"/>
+              </a:solidFill>
+              <a:latin typeface="华文细黑" panose="02010600040101010101" pitchFamily="2" charset="-122"/>
+              <a:ea typeface="华文细黑" panose="02010600040101010101" pitchFamily="2" charset="-122"/>
+            </a:endParaRPr>
           </a:p>
           <a:p>
             <a:pPr marL="0" indent="0">
@@ -2672,8 +2699,35 @@
                 <a:latin typeface="华文细黑" panose="02010600040101010101" pitchFamily="2" charset="-122"/>
                 <a:ea typeface="华文细黑" panose="02010600040101010101" pitchFamily="2" charset="-122"/>
               </a:rPr>
-              <a:t>指  导  人：</a:t>
-            </a:r>
+              <a:t>指  导  人</a:t>
+            </a:r>
+            <a:r>
+              <a:rPr lang="zh-CN" altLang="en-US" sz="2600" dirty="0" smtClean="0">
+                <a:solidFill>
+                  <a:srgbClr val="898989"/>
+                </a:solidFill>
+                <a:latin typeface="华文细黑" panose="02010600040101010101" pitchFamily="2" charset="-122"/>
+                <a:ea typeface="华文细黑" panose="02010600040101010101" pitchFamily="2" charset="-122"/>
+              </a:rPr>
+              <a:t>：</a:t>
+            </a:r>
+            <a:r>
+              <a:rPr lang="zh-CN" altLang="en-US" sz="2600" dirty="0" smtClean="0">
+                <a:solidFill>
+                  <a:srgbClr val="898989"/>
+                </a:solidFill>
+                <a:latin typeface="华文细黑" panose="02010600040101010101" pitchFamily="2" charset="-122"/>
+                <a:ea typeface="华文细黑" panose="02010600040101010101" pitchFamily="2" charset="-122"/>
+              </a:rPr>
+              <a:t>孙茂宇</a:t>
+            </a:r>
+            <a:endParaRPr lang="zh-CN" altLang="en-US" sz="2600" dirty="0" smtClean="0">
+              <a:solidFill>
+                <a:srgbClr val="898989"/>
+              </a:solidFill>
+              <a:latin typeface="华文细黑" panose="02010600040101010101" pitchFamily="2" charset="-122"/>
+              <a:ea typeface="华文细黑" panose="02010600040101010101" pitchFamily="2" charset="-122"/>
+            </a:endParaRPr>
           </a:p>
           <a:p>
             <a:pPr marL="0" indent="0">
@@ -2690,8 +2744,35 @@
                 <a:latin typeface="华文细黑" panose="02010600040101010101" pitchFamily="2" charset="-122"/>
                 <a:ea typeface="华文细黑" panose="02010600040101010101" pitchFamily="2" charset="-122"/>
               </a:rPr>
-              <a:t>部        门：</a:t>
-            </a:r>
+              <a:t>部        门</a:t>
+            </a:r>
+            <a:r>
+              <a:rPr lang="zh-CN" altLang="en-US" sz="2600" dirty="0" smtClean="0">
+                <a:solidFill>
+                  <a:srgbClr val="898989"/>
+                </a:solidFill>
+                <a:latin typeface="华文细黑" panose="02010600040101010101" pitchFamily="2" charset="-122"/>
+                <a:ea typeface="华文细黑" panose="02010600040101010101" pitchFamily="2" charset="-122"/>
+              </a:rPr>
+              <a:t>：</a:t>
+            </a:r>
+            <a:r>
+              <a:rPr lang="zh-CN" altLang="en-US" sz="2600" dirty="0" smtClean="0">
+                <a:solidFill>
+                  <a:srgbClr val="898989"/>
+                </a:solidFill>
+                <a:latin typeface="华文细黑" panose="02010600040101010101" pitchFamily="2" charset="-122"/>
+                <a:ea typeface="华文细黑" panose="02010600040101010101" pitchFamily="2" charset="-122"/>
+              </a:rPr>
+              <a:t>技术部</a:t>
+            </a:r>
+            <a:endParaRPr lang="zh-CN" altLang="en-US" sz="2600" dirty="0" smtClean="0">
+              <a:solidFill>
+                <a:srgbClr val="898989"/>
+              </a:solidFill>
+              <a:latin typeface="华文细黑" panose="02010600040101010101" pitchFamily="2" charset="-122"/>
+              <a:ea typeface="华文细黑" panose="02010600040101010101" pitchFamily="2" charset="-122"/>
+            </a:endParaRPr>
           </a:p>
           <a:p>
             <a:pPr marL="0" indent="0">
@@ -2708,8 +2789,35 @@
                 <a:latin typeface="华文细黑" panose="02010600040101010101" pitchFamily="2" charset="-122"/>
                 <a:ea typeface="华文细黑" panose="02010600040101010101" pitchFamily="2" charset="-122"/>
               </a:rPr>
-              <a:t>入职时间：</a:t>
-            </a:r>
+              <a:t>入职时间</a:t>
+            </a:r>
+            <a:r>
+              <a:rPr lang="zh-CN" altLang="en-US" sz="2600" dirty="0" smtClean="0">
+                <a:solidFill>
+                  <a:srgbClr val="898989"/>
+                </a:solidFill>
+                <a:latin typeface="华文细黑" panose="02010600040101010101" pitchFamily="2" charset="-122"/>
+                <a:ea typeface="华文细黑" panose="02010600040101010101" pitchFamily="2" charset="-122"/>
+              </a:rPr>
+              <a:t>：</a:t>
+            </a:r>
+            <a:r>
+              <a:rPr lang="en-US" altLang="zh-CN" sz="2600" dirty="0" smtClean="0">
+                <a:solidFill>
+                  <a:srgbClr val="898989"/>
+                </a:solidFill>
+                <a:latin typeface="华文细黑" panose="02010600040101010101" pitchFamily="2" charset="-122"/>
+                <a:ea typeface="华文细黑" panose="02010600040101010101" pitchFamily="2" charset="-122"/>
+              </a:rPr>
+              <a:t>2017/08/28</a:t>
+            </a:r>
+            <a:endParaRPr lang="zh-CN" altLang="en-US" sz="2600" dirty="0" smtClean="0">
+              <a:solidFill>
+                <a:srgbClr val="898989"/>
+              </a:solidFill>
+              <a:latin typeface="华文细黑" panose="02010600040101010101" pitchFamily="2" charset="-122"/>
+              <a:ea typeface="华文细黑" panose="02010600040101010101" pitchFamily="2" charset="-122"/>
+            </a:endParaRPr>
           </a:p>
           <a:p>
             <a:pPr marL="0" indent="0">
@@ -2726,8 +2834,35 @@
                 <a:latin typeface="华文细黑" panose="02010600040101010101" pitchFamily="2" charset="-122"/>
                 <a:ea typeface="华文细黑" panose="02010600040101010101" pitchFamily="2" charset="-122"/>
               </a:rPr>
-              <a:t>报告时间：</a:t>
-            </a:r>
+              <a:t>报告时间</a:t>
+            </a:r>
+            <a:r>
+              <a:rPr lang="zh-CN" altLang="en-US" sz="2600" dirty="0" smtClean="0">
+                <a:solidFill>
+                  <a:srgbClr val="898989"/>
+                </a:solidFill>
+                <a:latin typeface="华文细黑" panose="02010600040101010101" pitchFamily="2" charset="-122"/>
+                <a:ea typeface="华文细黑" panose="02010600040101010101" pitchFamily="2" charset="-122"/>
+              </a:rPr>
+              <a:t>：</a:t>
+            </a:r>
+            <a:r>
+              <a:rPr lang="en-US" altLang="zh-CN" sz="2600" dirty="0" smtClean="0">
+                <a:solidFill>
+                  <a:srgbClr val="898989"/>
+                </a:solidFill>
+                <a:latin typeface="华文细黑" panose="02010600040101010101" pitchFamily="2" charset="-122"/>
+                <a:ea typeface="华文细黑" panose="02010600040101010101" pitchFamily="2" charset="-122"/>
+              </a:rPr>
+              <a:t>2017/11/28</a:t>
+            </a:r>
+            <a:endParaRPr lang="zh-CN" altLang="en-US" sz="2600" dirty="0" smtClean="0">
+              <a:solidFill>
+                <a:srgbClr val="898989"/>
+              </a:solidFill>
+              <a:latin typeface="华文细黑" panose="02010600040101010101" pitchFamily="2" charset="-122"/>
+              <a:ea typeface="华文细黑" panose="02010600040101010101" pitchFamily="2" charset="-122"/>
+            </a:endParaRPr>
           </a:p>
         </p:txBody>
       </p:sp>
@@ -2747,7 +2882,7 @@
   <p:timing>
     <p:tnLst>
       <p:par>
-        <p:cTn id="1" dur="indefinite" restart="never" nodeType="tmRoot"/>
+        <p:cTn xmlns:p14="http://schemas.microsoft.com/office/powerpoint/2010/main" id="1" dur="indefinite" restart="never" nodeType="tmRoot"/>
       </p:par>
     </p:tnLst>
   </p:timing>
@@ -3199,21 +3334,7 @@
                 <a:latin typeface="华文细黑" panose="02010600040101010101" pitchFamily="2" charset="-122"/>
                 <a:ea typeface="华文细黑" panose="02010600040101010101" pitchFamily="2" charset="-122"/>
               </a:rPr>
-              <a:t>团队</a:t>
-            </a:r>
-            <a:r>
-              <a:rPr lang="zh-CN" altLang="en-US" sz="1500" dirty="0" smtClean="0">
-                <a:latin typeface="华文细黑" panose="02010600040101010101" pitchFamily="2" charset="-122"/>
-                <a:ea typeface="华文细黑" panose="02010600040101010101" pitchFamily="2" charset="-122"/>
-              </a:rPr>
-              <a:t>及团队的氛围、工作流程的</a:t>
-            </a:r>
-            <a:r>
-              <a:rPr lang="zh-CN" altLang="en-US" sz="1500" dirty="0" smtClean="0">
-                <a:latin typeface="华文细黑" panose="02010600040101010101" pitchFamily="2" charset="-122"/>
-                <a:ea typeface="华文细黑" panose="02010600040101010101" pitchFamily="2" charset="-122"/>
-              </a:rPr>
-              <a:t>运转（团队指：所在团队和整个公司）</a:t>
+              <a:t>团队及团队的氛围、工作流程的运转（团队指：所在团队和整个公司）</a:t>
             </a:r>
             <a:endParaRPr lang="en-US" altLang="zh-CN" sz="1500" dirty="0" smtClean="0">
               <a:latin typeface="华文细黑" panose="02010600040101010101" pitchFamily="2" charset="-122"/>
@@ -3530,7 +3651,7 @@
   <p:timing>
     <p:tnLst>
       <p:par>
-        <p:cTn id="1" dur="indefinite" restart="never" nodeType="tmRoot"/>
+        <p:cTn xmlns:p14="http://schemas.microsoft.com/office/powerpoint/2010/main" id="1" dur="indefinite" restart="never" nodeType="tmRoot"/>
       </p:par>
     </p:tnLst>
   </p:timing>
@@ -3562,7 +3683,7 @@
   <p:timing>
     <p:tnLst>
       <p:par>
-        <p:cTn id="1" dur="indefinite" restart="never" nodeType="tmRoot"/>
+        <p:cTn xmlns:p14="http://schemas.microsoft.com/office/powerpoint/2010/main" id="1" dur="indefinite" restart="never" nodeType="tmRoot"/>
       </p:par>
     </p:tnLst>
   </p:timing>
@@ -3663,14 +3784,14 @@
             <a:noFill/>
           </a:ln>
           <a:extLst>
-            <a:ext uri="{909E8E84-426E-40DD-AFC4-6F175D3DCCD1}">
+            <a:ext uri="{909E8E84-426E-40dd-AFC4-6F175D3DCCD1}">
               <a14:hiddenFill xmlns:a14="http://schemas.microsoft.com/office/drawing/2010/main">
                 <a:solidFill>
                   <a:srgbClr val="FFFFFF"/>
                 </a:solidFill>
               </a14:hiddenFill>
             </a:ext>
-            <a:ext uri="{91240B29-F687-4F45-9708-019B960494DF}">
+            <a:ext uri="{91240B29-F687-4f45-9708-019B960494DF}">
               <a14:hiddenLine xmlns:a14="http://schemas.microsoft.com/office/drawing/2010/main" w="9525">
                 <a:solidFill>
                   <a:srgbClr val="000000"/>
@@ -3719,7 +3840,7 @@
   <p:timing>
     <p:tnLst>
       <p:par>
-        <p:cTn id="1" dur="indefinite" restart="never" nodeType="tmRoot"/>
+        <p:cTn xmlns:p14="http://schemas.microsoft.com/office/powerpoint/2010/main" id="1" dur="indefinite" restart="never" nodeType="tmRoot"/>
       </p:par>
     </p:tnLst>
   </p:timing>
@@ -3820,14 +3941,14 @@
             <a:noFill/>
           </a:ln>
           <a:extLst>
-            <a:ext uri="{909E8E84-426E-40DD-AFC4-6F175D3DCCD1}">
+            <a:ext uri="{909E8E84-426E-40dd-AFC4-6F175D3DCCD1}">
               <a14:hiddenFill xmlns:a14="http://schemas.microsoft.com/office/drawing/2010/main">
                 <a:solidFill>
                   <a:srgbClr val="FFFFFF"/>
                 </a:solidFill>
               </a14:hiddenFill>
             </a:ext>
-            <a:ext uri="{91240B29-F687-4F45-9708-019B960494DF}">
+            <a:ext uri="{91240B29-F687-4f45-9708-019B960494DF}">
               <a14:hiddenLine xmlns:a14="http://schemas.microsoft.com/office/drawing/2010/main" w="9525">
                 <a:solidFill>
                   <a:srgbClr val="000000"/>
@@ -3945,14 +4066,14 @@
             <a:noFill/>
           </a:ln>
           <a:extLst>
-            <a:ext uri="{909E8E84-426E-40DD-AFC4-6F175D3DCCD1}">
+            <a:ext uri="{909E8E84-426E-40dd-AFC4-6F175D3DCCD1}">
               <a14:hiddenFill xmlns:a14="http://schemas.microsoft.com/office/drawing/2010/main">
                 <a:solidFill>
                   <a:srgbClr val="FFFFFF"/>
                 </a:solidFill>
               </a14:hiddenFill>
             </a:ext>
-            <a:ext uri="{91240B29-F687-4F45-9708-019B960494DF}">
+            <a:ext uri="{91240B29-F687-4f45-9708-019B960494DF}">
               <a14:hiddenLine xmlns:a14="http://schemas.microsoft.com/office/drawing/2010/main" w="9525">
                 <a:solidFill>
                   <a:srgbClr val="000000"/>
@@ -4001,7 +4122,7 @@
   <p:timing>
     <p:tnLst>
       <p:par>
-        <p:cTn id="1" dur="indefinite" restart="never" nodeType="tmRoot"/>
+        <p:cTn xmlns:p14="http://schemas.microsoft.com/office/powerpoint/2010/main" id="1" dur="indefinite" restart="never" nodeType="tmRoot"/>
       </p:par>
     </p:tnLst>
   </p:timing>
@@ -4070,7 +4191,7 @@
   <p:timing>
     <p:tnLst>
       <p:par>
-        <p:cTn id="1" dur="indefinite" restart="never" nodeType="tmRoot"/>
+        <p:cTn xmlns:p14="http://schemas.microsoft.com/office/powerpoint/2010/main" id="1" dur="indefinite" restart="never" nodeType="tmRoot"/>
       </p:par>
     </p:tnLst>
   </p:timing>
@@ -4361,7 +4482,7 @@
   <a:extraClrSchemeLst/>
   <a:extLst>
     <a:ext uri="{05A4C25C-085E-4340-85A3-A5531E510DB2}">
-      <thm15:themeFamily xmlns:thm15="http://schemas.microsoft.com/office/thememl/2012/main" name="Office Theme" id="{62F939B6-93AF-4DB8-9C6B-D6C7DFDC589F}" vid="{4A3C46E8-61CC-4603-A589-7422A47A8E4A}"/>
+      <thm15:themeFamily xmlns:thm15="http://schemas.microsoft.com/office/thememl/2012/main" xmlns="" name="Office Theme" id="{62F939B6-93AF-4DB8-9C6B-D6C7DFDC589F}" vid="{4A3C46E8-61CC-4603-A589-7422A47A8E4A}"/>
     </a:ext>
   </a:extLst>
 </a:theme>
@@ -4651,7 +4772,7 @@
   <a:extraClrSchemeLst/>
   <a:extLst>
     <a:ext uri="{05A4C25C-085E-4340-85A3-A5531E510DB2}">
-      <thm15:themeFamily xmlns:thm15="http://schemas.microsoft.com/office/thememl/2012/main" name="Office Theme" id="{62F939B6-93AF-4DB8-9C6B-D6C7DFDC589F}" vid="{4A3C46E8-61CC-4603-A589-7422A47A8E4A}"/>
+      <thm15:themeFamily xmlns:thm15="http://schemas.microsoft.com/office/thememl/2012/main" xmlns="" name="Office Theme" id="{62F939B6-93AF-4DB8-9C6B-D6C7DFDC589F}" vid="{4A3C46E8-61CC-4603-A589-7422A47A8E4A}"/>
     </a:ext>
   </a:extLst>
 </a:theme>

--- a/果酱-转正述职模板.pptx
+++ b/果酱-转正述职模板.pptx
@@ -5,15 +5,16 @@
     <p:sldMasterId id="2147483648" r:id="rId1"/>
   </p:sldMasterIdLst>
   <p:notesMasterIdLst>
-    <p:notesMasterId r:id="rId8"/>
+    <p:notesMasterId r:id="rId9"/>
   </p:notesMasterIdLst>
   <p:sldIdLst>
     <p:sldId id="346" r:id="rId2"/>
-    <p:sldId id="374" r:id="rId3"/>
-    <p:sldId id="386" r:id="rId4"/>
-    <p:sldId id="387" r:id="rId5"/>
-    <p:sldId id="388" r:id="rId6"/>
-    <p:sldId id="398" r:id="rId7"/>
+    <p:sldId id="386" r:id="rId3"/>
+    <p:sldId id="387" r:id="rId4"/>
+    <p:sldId id="388" r:id="rId5"/>
+    <p:sldId id="400" r:id="rId6"/>
+    <p:sldId id="399" r:id="rId7"/>
+    <p:sldId id="398" r:id="rId8"/>
   </p:sldIdLst>
   <p:sldSz cx="12192000" cy="6858000"/>
   <p:notesSz cx="6858000" cy="9144000"/>
@@ -114,7 +115,7 @@
   </p:defaultTextStyle>
   <p:extLst>
     <p:ext uri="{EFAFB233-063F-42B5-8137-9DF3F51BA10A}">
-      <p15:sldGuideLst xmlns:p15="http://schemas.microsoft.com/office/powerpoint/2012/main" xmlns="">
+      <p15:sldGuideLst xmlns="" xmlns:p15="http://schemas.microsoft.com/office/powerpoint/2012/main">
         <p15:guide id="1" orient="horz" pos="2113">
           <p15:clr>
             <a:srgbClr val="A4A3A4"/>
@@ -128,7 +129,7 @@
       </p15:sldGuideLst>
     </p:ext>
     <p:ext uri="{2D200454-40CA-4A62-9FC3-DE9A4176ACB9}">
-      <p15:notesGuideLst xmlns:p15="http://schemas.microsoft.com/office/powerpoint/2012/main" xmlns="">
+      <p15:notesGuideLst xmlns="" xmlns:p15="http://schemas.microsoft.com/office/powerpoint/2012/main">
         <p15:guide id="1" orient="horz" pos="2817">
           <p15:clr>
             <a:srgbClr val="A4A3A4"/>
@@ -228,7 +229,7 @@
             <a:fld id="{3D534892-2594-4348-9B59-391C3F1BE7C4}" type="datetimeFigureOut">
               <a:rPr lang="zh-CN" altLang="en-US" smtClean="0"/>
               <a:pPr/>
-              <a:t>17/12/1</a:t>
+              <a:t>17/12/3</a:t>
             </a:fld>
             <a:endParaRPr lang="zh-CN" altLang="en-US"/>
           </a:p>
@@ -2654,8 +2655,16 @@
                 <a:latin typeface="华文细黑" panose="02010600040101010101" pitchFamily="2" charset="-122"/>
                 <a:ea typeface="华文细黑" panose="02010600040101010101" pitchFamily="2" charset="-122"/>
               </a:rPr>
-              <a:t>报  告  人</a:t>
-            </a:r>
+              <a:t>报  告  人：杨冬</a:t>
+            </a:r>
+          </a:p>
+          <a:p>
+            <a:pPr marL="0" indent="0">
+              <a:lnSpc>
+                <a:spcPct val="125000"/>
+              </a:lnSpc>
+              <a:buNone/>
+            </a:pPr>
             <a:r>
               <a:rPr lang="zh-CN" altLang="en-US" sz="2600" dirty="0" smtClean="0">
                 <a:solidFill>
@@ -2664,8 +2673,16 @@
                 <a:latin typeface="华文细黑" panose="02010600040101010101" pitchFamily="2" charset="-122"/>
                 <a:ea typeface="华文细黑" panose="02010600040101010101" pitchFamily="2" charset="-122"/>
               </a:rPr>
-              <a:t>：</a:t>
-            </a:r>
+              <a:t>指  导  人：孙茂宇</a:t>
+            </a:r>
+          </a:p>
+          <a:p>
+            <a:pPr marL="0" indent="0">
+              <a:lnSpc>
+                <a:spcPct val="125000"/>
+              </a:lnSpc>
+              <a:buNone/>
+            </a:pPr>
             <a:r>
               <a:rPr lang="zh-CN" altLang="en-US" sz="2600" dirty="0" smtClean="0">
                 <a:solidFill>
@@ -2674,7 +2691,35 @@
                 <a:latin typeface="华文细黑" panose="02010600040101010101" pitchFamily="2" charset="-122"/>
                 <a:ea typeface="华文细黑" panose="02010600040101010101" pitchFamily="2" charset="-122"/>
               </a:rPr>
-              <a:t>杨冬</a:t>
+              <a:t>部        门：技术部</a:t>
+            </a:r>
+          </a:p>
+          <a:p>
+            <a:pPr marL="0" indent="0">
+              <a:lnSpc>
+                <a:spcPct val="125000"/>
+              </a:lnSpc>
+              <a:buNone/>
+            </a:pPr>
+            <a:r>
+              <a:rPr lang="zh-CN" altLang="en-US" sz="2600" dirty="0" smtClean="0">
+                <a:solidFill>
+                  <a:srgbClr val="898989"/>
+                </a:solidFill>
+                <a:latin typeface="华文细黑" panose="02010600040101010101" pitchFamily="2" charset="-122"/>
+                <a:ea typeface="华文细黑" panose="02010600040101010101" pitchFamily="2" charset="-122"/>
+              </a:rPr>
+              <a:t>入职时间：</a:t>
+            </a:r>
+            <a:r>
+              <a:rPr lang="en-US" altLang="zh-CN" sz="2600" dirty="0" smtClean="0">
+                <a:solidFill>
+                  <a:srgbClr val="898989"/>
+                </a:solidFill>
+                <a:latin typeface="华文细黑" panose="02010600040101010101" pitchFamily="2" charset="-122"/>
+                <a:ea typeface="华文细黑" panose="02010600040101010101" pitchFamily="2" charset="-122"/>
+              </a:rPr>
+              <a:t>2017/08/28</a:t>
             </a:r>
             <a:endParaRPr lang="zh-CN" altLang="en-US" sz="2600" dirty="0" smtClean="0">
               <a:solidFill>
@@ -2699,152 +2744,7 @@
                 <a:latin typeface="华文细黑" panose="02010600040101010101" pitchFamily="2" charset="-122"/>
                 <a:ea typeface="华文细黑" panose="02010600040101010101" pitchFamily="2" charset="-122"/>
               </a:rPr>
-              <a:t>指  导  人</a:t>
-            </a:r>
-            <a:r>
-              <a:rPr lang="zh-CN" altLang="en-US" sz="2600" dirty="0" smtClean="0">
-                <a:solidFill>
-                  <a:srgbClr val="898989"/>
-                </a:solidFill>
-                <a:latin typeface="华文细黑" panose="02010600040101010101" pitchFamily="2" charset="-122"/>
-                <a:ea typeface="华文细黑" panose="02010600040101010101" pitchFamily="2" charset="-122"/>
-              </a:rPr>
-              <a:t>：</a:t>
-            </a:r>
-            <a:r>
-              <a:rPr lang="zh-CN" altLang="en-US" sz="2600" dirty="0" smtClean="0">
-                <a:solidFill>
-                  <a:srgbClr val="898989"/>
-                </a:solidFill>
-                <a:latin typeface="华文细黑" panose="02010600040101010101" pitchFamily="2" charset="-122"/>
-                <a:ea typeface="华文细黑" panose="02010600040101010101" pitchFamily="2" charset="-122"/>
-              </a:rPr>
-              <a:t>孙茂宇</a:t>
-            </a:r>
-            <a:endParaRPr lang="zh-CN" altLang="en-US" sz="2600" dirty="0" smtClean="0">
-              <a:solidFill>
-                <a:srgbClr val="898989"/>
-              </a:solidFill>
-              <a:latin typeface="华文细黑" panose="02010600040101010101" pitchFamily="2" charset="-122"/>
-              <a:ea typeface="华文细黑" panose="02010600040101010101" pitchFamily="2" charset="-122"/>
-            </a:endParaRPr>
-          </a:p>
-          <a:p>
-            <a:pPr marL="0" indent="0">
-              <a:lnSpc>
-                <a:spcPct val="125000"/>
-              </a:lnSpc>
-              <a:buNone/>
-            </a:pPr>
-            <a:r>
-              <a:rPr lang="zh-CN" altLang="en-US" sz="2600" dirty="0" smtClean="0">
-                <a:solidFill>
-                  <a:srgbClr val="898989"/>
-                </a:solidFill>
-                <a:latin typeface="华文细黑" panose="02010600040101010101" pitchFamily="2" charset="-122"/>
-                <a:ea typeface="华文细黑" panose="02010600040101010101" pitchFamily="2" charset="-122"/>
-              </a:rPr>
-              <a:t>部        门</a:t>
-            </a:r>
-            <a:r>
-              <a:rPr lang="zh-CN" altLang="en-US" sz="2600" dirty="0" smtClean="0">
-                <a:solidFill>
-                  <a:srgbClr val="898989"/>
-                </a:solidFill>
-                <a:latin typeface="华文细黑" panose="02010600040101010101" pitchFamily="2" charset="-122"/>
-                <a:ea typeface="华文细黑" panose="02010600040101010101" pitchFamily="2" charset="-122"/>
-              </a:rPr>
-              <a:t>：</a:t>
-            </a:r>
-            <a:r>
-              <a:rPr lang="zh-CN" altLang="en-US" sz="2600" dirty="0" smtClean="0">
-                <a:solidFill>
-                  <a:srgbClr val="898989"/>
-                </a:solidFill>
-                <a:latin typeface="华文细黑" panose="02010600040101010101" pitchFamily="2" charset="-122"/>
-                <a:ea typeface="华文细黑" panose="02010600040101010101" pitchFamily="2" charset="-122"/>
-              </a:rPr>
-              <a:t>技术部</a:t>
-            </a:r>
-            <a:endParaRPr lang="zh-CN" altLang="en-US" sz="2600" dirty="0" smtClean="0">
-              <a:solidFill>
-                <a:srgbClr val="898989"/>
-              </a:solidFill>
-              <a:latin typeface="华文细黑" panose="02010600040101010101" pitchFamily="2" charset="-122"/>
-              <a:ea typeface="华文细黑" panose="02010600040101010101" pitchFamily="2" charset="-122"/>
-            </a:endParaRPr>
-          </a:p>
-          <a:p>
-            <a:pPr marL="0" indent="0">
-              <a:lnSpc>
-                <a:spcPct val="125000"/>
-              </a:lnSpc>
-              <a:buNone/>
-            </a:pPr>
-            <a:r>
-              <a:rPr lang="zh-CN" altLang="en-US" sz="2600" dirty="0" smtClean="0">
-                <a:solidFill>
-                  <a:srgbClr val="898989"/>
-                </a:solidFill>
-                <a:latin typeface="华文细黑" panose="02010600040101010101" pitchFamily="2" charset="-122"/>
-                <a:ea typeface="华文细黑" panose="02010600040101010101" pitchFamily="2" charset="-122"/>
-              </a:rPr>
-              <a:t>入职时间</a:t>
-            </a:r>
-            <a:r>
-              <a:rPr lang="zh-CN" altLang="en-US" sz="2600" dirty="0" smtClean="0">
-                <a:solidFill>
-                  <a:srgbClr val="898989"/>
-                </a:solidFill>
-                <a:latin typeface="华文细黑" panose="02010600040101010101" pitchFamily="2" charset="-122"/>
-                <a:ea typeface="华文细黑" panose="02010600040101010101" pitchFamily="2" charset="-122"/>
-              </a:rPr>
-              <a:t>：</a:t>
-            </a:r>
-            <a:r>
-              <a:rPr lang="en-US" altLang="zh-CN" sz="2600" dirty="0" smtClean="0">
-                <a:solidFill>
-                  <a:srgbClr val="898989"/>
-                </a:solidFill>
-                <a:latin typeface="华文细黑" panose="02010600040101010101" pitchFamily="2" charset="-122"/>
-                <a:ea typeface="华文细黑" panose="02010600040101010101" pitchFamily="2" charset="-122"/>
-              </a:rPr>
-              <a:t>2017/08/28</a:t>
-            </a:r>
-            <a:endParaRPr lang="zh-CN" altLang="en-US" sz="2600" dirty="0" smtClean="0">
-              <a:solidFill>
-                <a:srgbClr val="898989"/>
-              </a:solidFill>
-              <a:latin typeface="华文细黑" panose="02010600040101010101" pitchFamily="2" charset="-122"/>
-              <a:ea typeface="华文细黑" panose="02010600040101010101" pitchFamily="2" charset="-122"/>
-            </a:endParaRPr>
-          </a:p>
-          <a:p>
-            <a:pPr marL="0" indent="0">
-              <a:lnSpc>
-                <a:spcPct val="125000"/>
-              </a:lnSpc>
-              <a:buNone/>
-            </a:pPr>
-            <a:r>
-              <a:rPr lang="zh-CN" altLang="en-US" sz="2600" dirty="0" smtClean="0">
-                <a:solidFill>
-                  <a:srgbClr val="898989"/>
-                </a:solidFill>
-                <a:latin typeface="华文细黑" panose="02010600040101010101" pitchFamily="2" charset="-122"/>
-                <a:ea typeface="华文细黑" panose="02010600040101010101" pitchFamily="2" charset="-122"/>
-              </a:rPr>
-              <a:t>报告时间</a:t>
-            </a:r>
-            <a:r>
-              <a:rPr lang="zh-CN" altLang="en-US" sz="2600" dirty="0" smtClean="0">
-                <a:solidFill>
-                  <a:srgbClr val="898989"/>
-                </a:solidFill>
-                <a:latin typeface="华文细黑" panose="02010600040101010101" pitchFamily="2" charset="-122"/>
-                <a:ea typeface="华文细黑" panose="02010600040101010101" pitchFamily="2" charset="-122"/>
-              </a:rPr>
-              <a:t>：</a:t>
+              <a:t>报告时间：</a:t>
             </a:r>
             <a:r>
               <a:rPr lang="en-US" altLang="zh-CN" sz="2600" dirty="0" smtClean="0">
@@ -2908,738 +2808,141 @@
       </p:grpSpPr>
       <p:sp>
         <p:nvSpPr>
-          <p:cNvPr id="2" name="标题 1"/>
-          <p:cNvSpPr txBox="1">
-            <a:spLocks/>
-          </p:cNvSpPr>
+          <p:cNvPr id="3" name="文本框 2"/>
+          <p:cNvSpPr txBox="1"/>
           <p:nvPr/>
         </p:nvSpPr>
         <p:spPr>
           <a:xfrm>
-            <a:off x="119336" y="2852936"/>
-            <a:ext cx="3046675" cy="762000"/>
+            <a:off x="2927648" y="764704"/>
+            <a:ext cx="5112568" cy="461665"/>
           </a:xfrm>
           <a:prstGeom prst="rect">
             <a:avLst/>
           </a:prstGeom>
+          <a:noFill/>
         </p:spPr>
         <p:txBody>
-          <a:bodyPr/>
-          <a:lstStyle>
-            <a:lvl1pPr algn="ctr" defTabSz="914400" rtl="0" eaLnBrk="1" latinLnBrk="0" hangingPunct="1">
-              <a:spcBef>
-                <a:spcPct val="0"/>
-              </a:spcBef>
-              <a:buNone/>
-              <a:defRPr sz="4400" kern="1200">
-                <a:solidFill>
-                  <a:schemeClr val="tx1"/>
-                </a:solidFill>
-                <a:latin typeface="+mj-lt"/>
-                <a:ea typeface="+mj-ea"/>
-                <a:cs typeface="+mj-cs"/>
-              </a:defRPr>
-            </a:lvl1pPr>
-          </a:lstStyle>
-          <a:p>
-            <a:r>
-              <a:rPr lang="zh-CN" altLang="en-US" sz="3600" dirty="0" smtClean="0">
-                <a:solidFill>
-                  <a:srgbClr val="898989"/>
-                </a:solidFill>
-                <a:latin typeface="华文细黑" panose="02010600040101010101" pitchFamily="2" charset="-122"/>
-                <a:ea typeface="华文细黑" panose="02010600040101010101" pitchFamily="2" charset="-122"/>
-              </a:rPr>
-              <a:t>述职报告大纲</a:t>
-            </a:r>
+          <a:bodyPr wrap="square" rtlCol="0">
+            <a:spAutoFit/>
+          </a:bodyPr>
+          <a:lstStyle/>
+          <a:p>
+            <a:pPr algn="ctr"/>
+            <a:r>
+              <a:rPr kumimoji="1" lang="zh-CN" altLang="en-US" sz="2400" b="1" dirty="0" smtClean="0"/>
+              <a:t>自我介绍</a:t>
+            </a:r>
+            <a:endParaRPr kumimoji="1" lang="zh-CN" altLang="en-US" sz="2400" b="1" dirty="0"/>
           </a:p>
         </p:txBody>
       </p:sp>
       <p:sp>
         <p:nvSpPr>
-          <p:cNvPr id="3" name="内容占位符 2"/>
-          <p:cNvSpPr txBox="1">
-            <a:spLocks/>
-          </p:cNvSpPr>
+          <p:cNvPr id="4" name="文本框 3"/>
+          <p:cNvSpPr txBox="1"/>
           <p:nvPr/>
         </p:nvSpPr>
         <p:spPr>
           <a:xfrm>
-            <a:off x="3166011" y="836712"/>
-            <a:ext cx="8570913" cy="5112568"/>
+            <a:off x="4223792" y="2060848"/>
+            <a:ext cx="3240360" cy="1913344"/>
           </a:xfrm>
           <a:prstGeom prst="rect">
             <a:avLst/>
           </a:prstGeom>
+          <a:noFill/>
         </p:spPr>
         <p:txBody>
-          <a:bodyPr/>
-          <a:lstStyle>
-            <a:lvl1pPr marL="342900" indent="-342900" algn="l" defTabSz="914400" rtl="0" eaLnBrk="1" latinLnBrk="0" hangingPunct="1">
-              <a:spcBef>
-                <a:spcPct val="20000"/>
-              </a:spcBef>
-              <a:buFont typeface="Arial" pitchFamily="34" charset="0"/>
-              <a:buChar char="•"/>
-              <a:defRPr sz="3200" kern="1200">
-                <a:solidFill>
-                  <a:schemeClr val="tx1"/>
-                </a:solidFill>
-                <a:latin typeface="+mn-lt"/>
-                <a:ea typeface="+mn-ea"/>
-                <a:cs typeface="+mn-cs"/>
-              </a:defRPr>
-            </a:lvl1pPr>
-            <a:lvl2pPr marL="742950" indent="-285750" algn="l" defTabSz="914400" rtl="0" eaLnBrk="1" latinLnBrk="0" hangingPunct="1">
-              <a:spcBef>
-                <a:spcPct val="20000"/>
-              </a:spcBef>
-              <a:buFont typeface="Arial" pitchFamily="34" charset="0"/>
-              <a:buChar char="–"/>
-              <a:defRPr sz="2800" kern="1200">
-                <a:solidFill>
-                  <a:schemeClr val="tx1"/>
-                </a:solidFill>
-                <a:latin typeface="+mn-lt"/>
-                <a:ea typeface="+mn-ea"/>
-                <a:cs typeface="+mn-cs"/>
-              </a:defRPr>
-            </a:lvl2pPr>
-            <a:lvl3pPr marL="1143000" indent="-228600" algn="l" defTabSz="914400" rtl="0" eaLnBrk="1" latinLnBrk="0" hangingPunct="1">
-              <a:spcBef>
-                <a:spcPct val="20000"/>
-              </a:spcBef>
-              <a:buFont typeface="Arial" pitchFamily="34" charset="0"/>
-              <a:buChar char="•"/>
-              <a:defRPr sz="2400" kern="1200">
-                <a:solidFill>
-                  <a:schemeClr val="tx1"/>
-                </a:solidFill>
-                <a:latin typeface="+mn-lt"/>
-                <a:ea typeface="+mn-ea"/>
-                <a:cs typeface="+mn-cs"/>
-              </a:defRPr>
-            </a:lvl3pPr>
-            <a:lvl4pPr marL="1600200" indent="-228600" algn="l" defTabSz="914400" rtl="0" eaLnBrk="1" latinLnBrk="0" hangingPunct="1">
-              <a:spcBef>
-                <a:spcPct val="20000"/>
-              </a:spcBef>
-              <a:buFont typeface="Arial" pitchFamily="34" charset="0"/>
-              <a:buChar char="–"/>
-              <a:defRPr sz="2000" kern="1200">
-                <a:solidFill>
-                  <a:schemeClr val="tx1"/>
-                </a:solidFill>
-                <a:latin typeface="+mn-lt"/>
-                <a:ea typeface="+mn-ea"/>
-                <a:cs typeface="+mn-cs"/>
-              </a:defRPr>
-            </a:lvl4pPr>
-            <a:lvl5pPr marL="2057400" indent="-228600" algn="l" defTabSz="914400" rtl="0" eaLnBrk="1" latinLnBrk="0" hangingPunct="1">
-              <a:spcBef>
-                <a:spcPct val="20000"/>
-              </a:spcBef>
-              <a:buFont typeface="Arial" pitchFamily="34" charset="0"/>
-              <a:buChar char="»"/>
-              <a:defRPr sz="2000" kern="1200">
-                <a:solidFill>
-                  <a:schemeClr val="tx1"/>
-                </a:solidFill>
-                <a:latin typeface="+mn-lt"/>
-                <a:ea typeface="+mn-ea"/>
-                <a:cs typeface="+mn-cs"/>
-              </a:defRPr>
-            </a:lvl5pPr>
-            <a:lvl6pPr marL="2514600" indent="-228600" algn="l" defTabSz="914400" rtl="0" eaLnBrk="1" latinLnBrk="0" hangingPunct="1">
-              <a:spcBef>
-                <a:spcPct val="20000"/>
-              </a:spcBef>
-              <a:buFont typeface="Arial" pitchFamily="34" charset="0"/>
-              <a:buChar char="•"/>
-              <a:defRPr sz="2000" kern="1200">
-                <a:solidFill>
-                  <a:schemeClr val="tx1"/>
-                </a:solidFill>
-                <a:latin typeface="+mn-lt"/>
-                <a:ea typeface="+mn-ea"/>
-                <a:cs typeface="+mn-cs"/>
-              </a:defRPr>
-            </a:lvl6pPr>
-            <a:lvl7pPr marL="2971800" indent="-228600" algn="l" defTabSz="914400" rtl="0" eaLnBrk="1" latinLnBrk="0" hangingPunct="1">
-              <a:spcBef>
-                <a:spcPct val="20000"/>
-              </a:spcBef>
-              <a:buFont typeface="Arial" pitchFamily="34" charset="0"/>
-              <a:buChar char="•"/>
-              <a:defRPr sz="2000" kern="1200">
-                <a:solidFill>
-                  <a:schemeClr val="tx1"/>
-                </a:solidFill>
-                <a:latin typeface="+mn-lt"/>
-                <a:ea typeface="+mn-ea"/>
-                <a:cs typeface="+mn-cs"/>
-              </a:defRPr>
-            </a:lvl7pPr>
-            <a:lvl8pPr marL="3429000" indent="-228600" algn="l" defTabSz="914400" rtl="0" eaLnBrk="1" latinLnBrk="0" hangingPunct="1">
-              <a:spcBef>
-                <a:spcPct val="20000"/>
-              </a:spcBef>
-              <a:buFont typeface="Arial" pitchFamily="34" charset="0"/>
-              <a:buChar char="•"/>
-              <a:defRPr sz="2000" kern="1200">
-                <a:solidFill>
-                  <a:schemeClr val="tx1"/>
-                </a:solidFill>
-                <a:latin typeface="+mn-lt"/>
-                <a:ea typeface="+mn-ea"/>
-                <a:cs typeface="+mn-cs"/>
-              </a:defRPr>
-            </a:lvl8pPr>
-            <a:lvl9pPr marL="3886200" indent="-228600" algn="l" defTabSz="914400" rtl="0" eaLnBrk="1" latinLnBrk="0" hangingPunct="1">
-              <a:spcBef>
-                <a:spcPct val="20000"/>
-              </a:spcBef>
-              <a:buFont typeface="Arial" pitchFamily="34" charset="0"/>
-              <a:buChar char="•"/>
-              <a:defRPr sz="2000" kern="1200">
-                <a:solidFill>
-                  <a:schemeClr val="tx1"/>
-                </a:solidFill>
-                <a:latin typeface="+mn-lt"/>
-                <a:ea typeface="+mn-ea"/>
-                <a:cs typeface="+mn-cs"/>
-              </a:defRPr>
-            </a:lvl9pPr>
-          </a:lstStyle>
-          <a:p>
-            <a:pPr marL="342900" lvl="1" indent="-342900">
+          <a:bodyPr wrap="square" rtlCol="0">
+            <a:spAutoFit/>
+          </a:bodyPr>
+          <a:lstStyle/>
+          <a:p>
+            <a:pPr>
               <a:lnSpc>
-                <a:spcPct val="80000"/>
-              </a:lnSpc>
-              <a:buFont typeface="Arial" pitchFamily="34" charset="0"/>
-              <a:buChar char="•"/>
-            </a:pPr>
-            <a:r>
-              <a:rPr lang="zh-CN" altLang="en-US" sz="1400" dirty="0" smtClean="0">
-                <a:latin typeface="华文细黑" panose="02010600040101010101" pitchFamily="2" charset="-122"/>
-                <a:ea typeface="华文细黑" panose="02010600040101010101" pitchFamily="2" charset="-122"/>
-              </a:rPr>
-              <a:t>第一部分 自我介绍（</a:t>
-            </a:r>
-            <a:r>
-              <a:rPr lang="zh-CN" altLang="en-US" sz="1500" dirty="0" smtClean="0">
-                <a:solidFill>
-                  <a:srgbClr val="FF0000"/>
-                </a:solidFill>
-                <a:latin typeface="华文细黑" panose="02010600040101010101" pitchFamily="2" charset="-122"/>
-                <a:ea typeface="华文细黑" panose="02010600040101010101" pitchFamily="2" charset="-122"/>
-              </a:rPr>
-              <a:t>占用</a:t>
-            </a:r>
-            <a:r>
-              <a:rPr lang="zh-CN" altLang="en-US" sz="1500" dirty="0">
-                <a:solidFill>
-                  <a:srgbClr val="FF0000"/>
-                </a:solidFill>
-                <a:latin typeface="华文细黑" panose="02010600040101010101" pitchFamily="2" charset="-122"/>
-                <a:ea typeface="华文细黑" panose="02010600040101010101" pitchFamily="2" charset="-122"/>
-              </a:rPr>
-              <a:t>篇幅</a:t>
-            </a:r>
-            <a:r>
-              <a:rPr lang="en-US" altLang="zh-CN" sz="1500" dirty="0">
-                <a:solidFill>
-                  <a:srgbClr val="FF0000"/>
-                </a:solidFill>
-                <a:latin typeface="华文细黑" panose="02010600040101010101" pitchFamily="2" charset="-122"/>
-                <a:ea typeface="华文细黑" panose="02010600040101010101" pitchFamily="2" charset="-122"/>
-              </a:rPr>
-              <a:t>1</a:t>
-            </a:r>
-            <a:r>
-              <a:rPr lang="zh-CN" altLang="en-US" sz="1500" dirty="0" smtClean="0">
-                <a:solidFill>
-                  <a:srgbClr val="FF0000"/>
-                </a:solidFill>
-                <a:latin typeface="华文细黑" panose="02010600040101010101" pitchFamily="2" charset="-122"/>
-                <a:ea typeface="华文细黑" panose="02010600040101010101" pitchFamily="2" charset="-122"/>
-              </a:rPr>
-              <a:t>篇</a:t>
-            </a:r>
-            <a:r>
-              <a:rPr lang="zh-CN" altLang="en-US" sz="1400" dirty="0">
-                <a:latin typeface="华文细黑" panose="02010600040101010101" pitchFamily="2" charset="-122"/>
-                <a:ea typeface="华文细黑" panose="02010600040101010101" pitchFamily="2" charset="-122"/>
-              </a:rPr>
-              <a:t>）</a:t>
-            </a:r>
-          </a:p>
-          <a:p>
-            <a:pPr lvl="1">
-              <a:lnSpc>
-                <a:spcPct val="80000"/>
+                <a:spcPct val="150000"/>
               </a:lnSpc>
             </a:pPr>
             <a:r>
-              <a:rPr lang="zh-CN" altLang="en-US" sz="1500" dirty="0" smtClean="0">
-                <a:latin typeface="华文细黑" panose="02010600040101010101" pitchFamily="2" charset="-122"/>
-                <a:ea typeface="华文细黑" panose="02010600040101010101" pitchFamily="2" charset="-122"/>
-              </a:rPr>
-              <a:t>职位</a:t>
-            </a:r>
-            <a:r>
-              <a:rPr lang="en-US" altLang="zh-CN" sz="1500" dirty="0">
-                <a:latin typeface="华文细黑" panose="02010600040101010101" pitchFamily="2" charset="-122"/>
-                <a:ea typeface="华文细黑" panose="02010600040101010101" pitchFamily="2" charset="-122"/>
-              </a:rPr>
-              <a:t>/</a:t>
-            </a:r>
-            <a:r>
-              <a:rPr lang="zh-CN" altLang="en-US" sz="1500" dirty="0" smtClean="0">
-                <a:latin typeface="华文细黑" panose="02010600040101010101" pitchFamily="2" charset="-122"/>
-                <a:ea typeface="华文细黑" panose="02010600040101010101" pitchFamily="2" charset="-122"/>
-              </a:rPr>
-              <a:t>部门</a:t>
-            </a:r>
-            <a:endParaRPr lang="en-US" altLang="zh-CN" sz="1500" dirty="0" smtClean="0">
-              <a:latin typeface="华文细黑" panose="02010600040101010101" pitchFamily="2" charset="-122"/>
-              <a:ea typeface="华文细黑" panose="02010600040101010101" pitchFamily="2" charset="-122"/>
-            </a:endParaRPr>
-          </a:p>
-          <a:p>
-            <a:pPr lvl="1">
+              <a:rPr kumimoji="1" lang="zh-CN" altLang="en-US" sz="2000" dirty="0" smtClean="0"/>
+              <a:t>姓名：杨冬（</a:t>
+            </a:r>
+            <a:r>
+              <a:rPr kumimoji="1" lang="en-US" altLang="zh-CN" sz="2000" dirty="0" smtClean="0"/>
+              <a:t>Jesse</a:t>
+            </a:r>
+            <a:r>
+              <a:rPr kumimoji="1" lang="zh-CN" altLang="en-US" sz="2000" dirty="0" smtClean="0"/>
+              <a:t>）</a:t>
+            </a:r>
+            <a:endParaRPr kumimoji="1" lang="en-US" altLang="zh-CN" sz="2000" dirty="0" smtClean="0"/>
+          </a:p>
+          <a:p>
+            <a:pPr>
               <a:lnSpc>
-                <a:spcPct val="80000"/>
+                <a:spcPct val="150000"/>
               </a:lnSpc>
             </a:pPr>
             <a:r>
-              <a:rPr lang="zh-CN" altLang="en-US" sz="1500" dirty="0" smtClean="0">
-                <a:latin typeface="华文细黑" panose="02010600040101010101" pitchFamily="2" charset="-122"/>
-                <a:ea typeface="华文细黑" panose="02010600040101010101" pitchFamily="2" charset="-122"/>
-              </a:rPr>
-              <a:t>个人的兴趣、爱好</a:t>
-            </a:r>
-            <a:endParaRPr lang="en-US" altLang="zh-CN" sz="1500" dirty="0">
-              <a:latin typeface="华文细黑" panose="02010600040101010101" pitchFamily="2" charset="-122"/>
-              <a:ea typeface="华文细黑" panose="02010600040101010101" pitchFamily="2" charset="-122"/>
-            </a:endParaRPr>
+              <a:rPr kumimoji="1" lang="zh-CN" altLang="en-US" sz="2000" dirty="0" smtClean="0"/>
+              <a:t>职位：前端开发工程师</a:t>
+            </a:r>
+            <a:endParaRPr kumimoji="1" lang="en-US" altLang="zh-CN" sz="2000" dirty="0" smtClean="0"/>
           </a:p>
           <a:p>
             <a:pPr>
               <a:lnSpc>
-                <a:spcPct val="80000"/>
+                <a:spcPct val="150000"/>
               </a:lnSpc>
             </a:pPr>
-            <a:endParaRPr lang="zh-CN" altLang="en-US" sz="1400" dirty="0" smtClean="0">
-              <a:latin typeface="华文细黑" panose="02010600040101010101" pitchFamily="2" charset="-122"/>
-              <a:ea typeface="华文细黑" panose="02010600040101010101" pitchFamily="2" charset="-122"/>
-            </a:endParaRPr>
-          </a:p>
-          <a:p>
-            <a:pPr marL="342900" lvl="1" indent="-342900">
+            <a:r>
+              <a:rPr kumimoji="1" lang="zh-CN" altLang="en-US" sz="2000" dirty="0" smtClean="0"/>
+              <a:t>部门：技术部</a:t>
+            </a:r>
+            <a:endParaRPr kumimoji="1" lang="en-US" altLang="zh-CN" sz="2000" dirty="0" smtClean="0"/>
+          </a:p>
+          <a:p>
+            <a:pPr>
               <a:lnSpc>
-                <a:spcPct val="80000"/>
-              </a:lnSpc>
-              <a:buFont typeface="Arial" pitchFamily="34" charset="0"/>
-              <a:buChar char="•"/>
-            </a:pPr>
-            <a:r>
-              <a:rPr lang="zh-CN" altLang="en-US" sz="1400" dirty="0" smtClean="0">
-                <a:latin typeface="华文细黑" panose="02010600040101010101" pitchFamily="2" charset="-122"/>
-                <a:ea typeface="华文细黑" panose="02010600040101010101" pitchFamily="2" charset="-122"/>
-              </a:rPr>
-              <a:t>第二部分 用自己的角度阐述对公司的</a:t>
-            </a:r>
-            <a:r>
-              <a:rPr lang="zh-CN" altLang="en-US" sz="1400" dirty="0">
-                <a:latin typeface="华文细黑" panose="02010600040101010101" pitchFamily="2" charset="-122"/>
-                <a:ea typeface="华文细黑" panose="02010600040101010101" pitchFamily="2" charset="-122"/>
-              </a:rPr>
-              <a:t>了解（</a:t>
-            </a:r>
-            <a:r>
-              <a:rPr lang="zh-CN" altLang="en-US" sz="1500" dirty="0">
-                <a:solidFill>
-                  <a:srgbClr val="FF0000"/>
-                </a:solidFill>
-                <a:latin typeface="华文细黑" panose="02010600040101010101" pitchFamily="2" charset="-122"/>
-                <a:ea typeface="华文细黑" panose="02010600040101010101" pitchFamily="2" charset="-122"/>
-              </a:rPr>
-              <a:t>占用</a:t>
-            </a:r>
-            <a:r>
-              <a:rPr lang="zh-CN" altLang="en-US" sz="1500" dirty="0" smtClean="0">
-                <a:solidFill>
-                  <a:srgbClr val="FF0000"/>
-                </a:solidFill>
-                <a:latin typeface="华文细黑" panose="02010600040101010101" pitchFamily="2" charset="-122"/>
-                <a:ea typeface="华文细黑" panose="02010600040101010101" pitchFamily="2" charset="-122"/>
-              </a:rPr>
-              <a:t>篇幅不超过</a:t>
-            </a:r>
-            <a:r>
-              <a:rPr lang="en-US" altLang="zh-CN" sz="1500" dirty="0" smtClean="0">
-                <a:solidFill>
-                  <a:srgbClr val="FF0000"/>
-                </a:solidFill>
-                <a:latin typeface="华文细黑" panose="02010600040101010101" pitchFamily="2" charset="-122"/>
-                <a:ea typeface="华文细黑" panose="02010600040101010101" pitchFamily="2" charset="-122"/>
-              </a:rPr>
-              <a:t>3</a:t>
-            </a:r>
-            <a:r>
-              <a:rPr lang="zh-CN" altLang="en-US" sz="1500" dirty="0" smtClean="0">
-                <a:solidFill>
-                  <a:srgbClr val="FF0000"/>
-                </a:solidFill>
-                <a:latin typeface="华文细黑" panose="02010600040101010101" pitchFamily="2" charset="-122"/>
-                <a:ea typeface="华文细黑" panose="02010600040101010101" pitchFamily="2" charset="-122"/>
-              </a:rPr>
-              <a:t>篇</a:t>
-            </a:r>
-            <a:r>
-              <a:rPr lang="zh-CN" altLang="en-US" sz="1400" dirty="0">
-                <a:latin typeface="华文细黑" panose="02010600040101010101" pitchFamily="2" charset="-122"/>
-                <a:ea typeface="华文细黑" panose="02010600040101010101" pitchFamily="2" charset="-122"/>
-              </a:rPr>
-              <a:t>）</a:t>
-            </a:r>
-          </a:p>
-          <a:p>
-            <a:pPr lvl="1">
-              <a:lnSpc>
-                <a:spcPct val="80000"/>
+                <a:spcPct val="150000"/>
               </a:lnSpc>
             </a:pPr>
             <a:r>
-              <a:rPr lang="zh-CN" altLang="en-US" sz="1500" dirty="0" smtClean="0">
-                <a:latin typeface="华文细黑" panose="02010600040101010101" pitchFamily="2" charset="-122"/>
-                <a:ea typeface="华文细黑" panose="02010600040101010101" pitchFamily="2" charset="-122"/>
-              </a:rPr>
-              <a:t>对公司产品、业务、经营、组织架构等自己的理解</a:t>
-            </a:r>
-            <a:endParaRPr lang="en-US" altLang="zh-CN" sz="1500" dirty="0" smtClean="0">
-              <a:latin typeface="华文细黑" panose="02010600040101010101" pitchFamily="2" charset="-122"/>
-              <a:ea typeface="华文细黑" panose="02010600040101010101" pitchFamily="2" charset="-122"/>
-            </a:endParaRPr>
-          </a:p>
-          <a:p>
-            <a:pPr lvl="1">
-              <a:lnSpc>
-                <a:spcPct val="80000"/>
-              </a:lnSpc>
-            </a:pPr>
-            <a:r>
-              <a:rPr lang="zh-CN" altLang="en-US" sz="1500" dirty="0" smtClean="0">
-                <a:latin typeface="华文细黑" panose="02010600040101010101" pitchFamily="2" charset="-122"/>
-                <a:ea typeface="华文细黑" panose="02010600040101010101" pitchFamily="2" charset="-122"/>
-              </a:rPr>
-              <a:t>团队及团队的氛围、工作流程的运转（团队指：所在团队和整个公司）</a:t>
-            </a:r>
-            <a:endParaRPr lang="en-US" altLang="zh-CN" sz="1500" dirty="0" smtClean="0">
-              <a:latin typeface="华文细黑" panose="02010600040101010101" pitchFamily="2" charset="-122"/>
-              <a:ea typeface="华文细黑" panose="02010600040101010101" pitchFamily="2" charset="-122"/>
-            </a:endParaRPr>
-          </a:p>
-          <a:p>
-            <a:pPr lvl="1">
-              <a:lnSpc>
-                <a:spcPct val="80000"/>
-              </a:lnSpc>
-            </a:pPr>
-            <a:r>
-              <a:rPr lang="zh-CN" altLang="en-US" sz="1500" dirty="0" smtClean="0">
-                <a:latin typeface="华文细黑" panose="02010600040101010101" pitchFamily="2" charset="-122"/>
-                <a:ea typeface="华文细黑" panose="02010600040101010101" pitchFamily="2" charset="-122"/>
-              </a:rPr>
-              <a:t>系统工具应用（邮箱、分享销客、</a:t>
-            </a:r>
-            <a:r>
-              <a:rPr lang="en-US" altLang="zh-CN" sz="1500" dirty="0" smtClean="0">
-                <a:latin typeface="华文细黑" panose="02010600040101010101" pitchFamily="2" charset="-122"/>
-                <a:ea typeface="华文细黑" panose="02010600040101010101" pitchFamily="2" charset="-122"/>
-              </a:rPr>
-              <a:t>QQ</a:t>
-            </a:r>
-            <a:r>
-              <a:rPr lang="zh-CN" altLang="en-US" sz="1500" dirty="0" smtClean="0">
-                <a:latin typeface="华文细黑" panose="02010600040101010101" pitchFamily="2" charset="-122"/>
-                <a:ea typeface="华文细黑" panose="02010600040101010101" pitchFamily="2" charset="-122"/>
-              </a:rPr>
-              <a:t>等）</a:t>
-            </a:r>
-            <a:endParaRPr lang="en-US" altLang="zh-CN" sz="1500" dirty="0" smtClean="0">
-              <a:latin typeface="华文细黑" panose="02010600040101010101" pitchFamily="2" charset="-122"/>
-              <a:ea typeface="华文细黑" panose="02010600040101010101" pitchFamily="2" charset="-122"/>
-            </a:endParaRPr>
-          </a:p>
-          <a:p>
-            <a:pPr>
-              <a:lnSpc>
-                <a:spcPct val="80000"/>
-              </a:lnSpc>
-            </a:pPr>
-            <a:endParaRPr lang="zh-CN" altLang="en-US" sz="1400" dirty="0" smtClean="0">
-              <a:latin typeface="华文细黑" panose="02010600040101010101" pitchFamily="2" charset="-122"/>
-              <a:ea typeface="华文细黑" panose="02010600040101010101" pitchFamily="2" charset="-122"/>
-            </a:endParaRPr>
-          </a:p>
-          <a:p>
-            <a:pPr>
-              <a:lnSpc>
-                <a:spcPct val="80000"/>
-              </a:lnSpc>
-            </a:pPr>
-            <a:r>
-              <a:rPr lang="zh-CN" altLang="en-US" sz="1400" dirty="0" smtClean="0">
-                <a:latin typeface="华文细黑" panose="02010600040101010101" pitchFamily="2" charset="-122"/>
-                <a:ea typeface="华文细黑" panose="02010600040101010101" pitchFamily="2" charset="-122"/>
-              </a:rPr>
-              <a:t>第三部分 对自己工作岗位的认识，工作内容的了解（</a:t>
-            </a:r>
-            <a:r>
-              <a:rPr lang="zh-CN" altLang="en-US" sz="1400" dirty="0" smtClean="0">
-                <a:solidFill>
-                  <a:srgbClr val="FF0000"/>
-                </a:solidFill>
-                <a:latin typeface="华文细黑" panose="02010600040101010101" pitchFamily="2" charset="-122"/>
-                <a:ea typeface="华文细黑" panose="02010600040101010101" pitchFamily="2" charset="-122"/>
-              </a:rPr>
-              <a:t>重点</a:t>
-            </a:r>
-            <a:r>
-              <a:rPr lang="zh-CN" altLang="en-US" sz="1400" dirty="0" smtClean="0">
-                <a:latin typeface="华文细黑" panose="02010600040101010101" pitchFamily="2" charset="-122"/>
-                <a:ea typeface="华文细黑" panose="02010600040101010101" pitchFamily="2" charset="-122"/>
-              </a:rPr>
-              <a:t>）</a:t>
-            </a:r>
-          </a:p>
-          <a:p>
-            <a:pPr lvl="1">
-              <a:lnSpc>
-                <a:spcPct val="80000"/>
-              </a:lnSpc>
-            </a:pPr>
-            <a:r>
-              <a:rPr lang="zh-CN" altLang="en-US" sz="1500" dirty="0" smtClean="0">
-                <a:latin typeface="华文细黑" panose="02010600040101010101" pitchFamily="2" charset="-122"/>
-                <a:ea typeface="华文细黑" panose="02010600040101010101" pitchFamily="2" charset="-122"/>
-              </a:rPr>
-              <a:t>自己工作岗位的认知</a:t>
-            </a:r>
-            <a:endParaRPr lang="en-US" altLang="zh-CN" sz="1500" dirty="0" smtClean="0">
-              <a:latin typeface="华文细黑" panose="02010600040101010101" pitchFamily="2" charset="-122"/>
-              <a:ea typeface="华文细黑" panose="02010600040101010101" pitchFamily="2" charset="-122"/>
-            </a:endParaRPr>
-          </a:p>
-          <a:p>
-            <a:pPr lvl="1">
-              <a:lnSpc>
-                <a:spcPct val="80000"/>
-              </a:lnSpc>
-            </a:pPr>
-            <a:r>
-              <a:rPr lang="zh-CN" altLang="en-US" sz="1500" dirty="0" smtClean="0">
-                <a:latin typeface="华文细黑" panose="02010600040101010101" pitchFamily="2" charset="-122"/>
-                <a:ea typeface="华文细黑" panose="02010600040101010101" pitchFamily="2" charset="-122"/>
-              </a:rPr>
-              <a:t>试用期内已完成的工作，完成情况（尽量数据化）</a:t>
-            </a:r>
-            <a:endParaRPr lang="en-US" altLang="zh-CN" sz="1500" dirty="0" smtClean="0">
-              <a:latin typeface="华文细黑" panose="02010600040101010101" pitchFamily="2" charset="-122"/>
-              <a:ea typeface="华文细黑" panose="02010600040101010101" pitchFamily="2" charset="-122"/>
-            </a:endParaRPr>
-          </a:p>
-          <a:p>
-            <a:pPr lvl="1">
-              <a:lnSpc>
-                <a:spcPct val="80000"/>
-              </a:lnSpc>
-            </a:pPr>
-            <a:r>
-              <a:rPr lang="zh-CN" altLang="en-US" sz="1500" dirty="0" smtClean="0">
-                <a:latin typeface="华文细黑" panose="02010600040101010101" pitchFamily="2" charset="-122"/>
-                <a:ea typeface="华文细黑" panose="02010600040101010101" pitchFamily="2" charset="-122"/>
-              </a:rPr>
-              <a:t>工作完成好的地方、待改进的地方</a:t>
-            </a:r>
-            <a:endParaRPr lang="en-US" altLang="zh-CN" sz="1500" dirty="0" smtClean="0">
-              <a:latin typeface="华文细黑" panose="02010600040101010101" pitchFamily="2" charset="-122"/>
-              <a:ea typeface="华文细黑" panose="02010600040101010101" pitchFamily="2" charset="-122"/>
-            </a:endParaRPr>
-          </a:p>
-          <a:p>
-            <a:pPr lvl="1">
-              <a:lnSpc>
-                <a:spcPct val="80000"/>
-              </a:lnSpc>
-            </a:pPr>
-            <a:r>
-              <a:rPr lang="zh-CN" altLang="en-US" sz="1500" dirty="0">
-                <a:latin typeface="华文细黑" panose="02010600040101010101" pitchFamily="2" charset="-122"/>
-                <a:ea typeface="华文细黑" panose="02010600040101010101" pitchFamily="2" charset="-122"/>
-              </a:rPr>
-              <a:t>下</a:t>
-            </a:r>
-            <a:r>
-              <a:rPr lang="zh-CN" altLang="en-US" sz="1500" dirty="0" smtClean="0">
-                <a:latin typeface="华文细黑" panose="02010600040101010101" pitchFamily="2" charset="-122"/>
-                <a:ea typeface="华文细黑" panose="02010600040101010101" pitchFamily="2" charset="-122"/>
-              </a:rPr>
-              <a:t>一阶段工作须完成的目标</a:t>
-            </a:r>
-            <a:endParaRPr lang="en-US" altLang="zh-CN" sz="1500" dirty="0" smtClean="0">
-              <a:latin typeface="华文细黑" panose="02010600040101010101" pitchFamily="2" charset="-122"/>
-              <a:ea typeface="华文细黑" panose="02010600040101010101" pitchFamily="2" charset="-122"/>
-            </a:endParaRPr>
-          </a:p>
-          <a:p>
-            <a:pPr marL="457200" lvl="1" indent="0">
-              <a:lnSpc>
-                <a:spcPct val="80000"/>
-              </a:lnSpc>
-              <a:buNone/>
-            </a:pPr>
-            <a:endParaRPr lang="en-US" altLang="zh-CN" sz="1500" dirty="0" smtClean="0">
-              <a:latin typeface="华文细黑" panose="02010600040101010101" pitchFamily="2" charset="-122"/>
-              <a:ea typeface="华文细黑" panose="02010600040101010101" pitchFamily="2" charset="-122"/>
-            </a:endParaRPr>
-          </a:p>
-          <a:p>
-            <a:pPr>
-              <a:lnSpc>
-                <a:spcPct val="80000"/>
-              </a:lnSpc>
-            </a:pPr>
-            <a:r>
-              <a:rPr lang="zh-CN" altLang="en-US" sz="1400" dirty="0" smtClean="0">
-                <a:latin typeface="华文细黑" panose="02010600040101010101" pitchFamily="2" charset="-122"/>
-                <a:ea typeface="华文细黑" panose="02010600040101010101" pitchFamily="2" charset="-122"/>
-              </a:rPr>
-              <a:t>第四部分 自己的期望（</a:t>
-            </a:r>
-            <a:r>
-              <a:rPr lang="zh-CN" altLang="en-US" sz="1400" dirty="0">
-                <a:solidFill>
-                  <a:srgbClr val="FF0000"/>
-                </a:solidFill>
-                <a:latin typeface="华文细黑" panose="02010600040101010101" pitchFamily="2" charset="-122"/>
-                <a:ea typeface="华文细黑" panose="02010600040101010101" pitchFamily="2" charset="-122"/>
-              </a:rPr>
-              <a:t>重点</a:t>
-            </a:r>
-            <a:r>
-              <a:rPr lang="zh-CN" altLang="en-US" sz="1400" dirty="0">
-                <a:latin typeface="华文细黑" panose="02010600040101010101" pitchFamily="2" charset="-122"/>
-                <a:ea typeface="华文细黑" panose="02010600040101010101" pitchFamily="2" charset="-122"/>
-              </a:rPr>
-              <a:t>）</a:t>
-            </a:r>
-          </a:p>
-          <a:p>
-            <a:pPr lvl="1">
-              <a:lnSpc>
-                <a:spcPct val="80000"/>
-              </a:lnSpc>
-            </a:pPr>
-            <a:r>
-              <a:rPr lang="zh-CN" altLang="en-US" sz="1500" dirty="0" smtClean="0">
-                <a:latin typeface="华文细黑" panose="02010600040101010101" pitchFamily="2" charset="-122"/>
-                <a:ea typeface="华文细黑" panose="02010600040101010101" pitchFamily="2" charset="-122"/>
-              </a:rPr>
-              <a:t>自己期望成长、期望得到指导和提升的地方</a:t>
-            </a:r>
-            <a:endParaRPr lang="en-US" altLang="zh-CN" sz="1500" dirty="0">
-              <a:latin typeface="华文细黑" panose="02010600040101010101" pitchFamily="2" charset="-122"/>
-              <a:ea typeface="华文细黑" panose="02010600040101010101" pitchFamily="2" charset="-122"/>
-            </a:endParaRPr>
-          </a:p>
-          <a:p>
-            <a:pPr lvl="1">
-              <a:lnSpc>
-                <a:spcPct val="80000"/>
-              </a:lnSpc>
-            </a:pPr>
-            <a:r>
-              <a:rPr lang="zh-CN" altLang="en-US" sz="1500" dirty="0">
-                <a:latin typeface="华文细黑" panose="02010600040101010101" pitchFamily="2" charset="-122"/>
-                <a:ea typeface="华文细黑" panose="02010600040101010101" pitchFamily="2" charset="-122"/>
-              </a:rPr>
-              <a:t>认为</a:t>
-            </a:r>
-            <a:r>
-              <a:rPr lang="zh-CN" altLang="en-US" sz="1500" dirty="0" smtClean="0">
-                <a:latin typeface="华文细黑" panose="02010600040101010101" pitchFamily="2" charset="-122"/>
-                <a:ea typeface="华文细黑" panose="02010600040101010101" pitchFamily="2" charset="-122"/>
-              </a:rPr>
-              <a:t>公司需要改善的地方，对公司的期望</a:t>
-            </a:r>
-            <a:endParaRPr lang="en-US" altLang="zh-CN" sz="1500" dirty="0" smtClean="0">
-              <a:latin typeface="华文细黑" panose="02010600040101010101" pitchFamily="2" charset="-122"/>
-              <a:ea typeface="华文细黑" panose="02010600040101010101" pitchFamily="2" charset="-122"/>
-            </a:endParaRPr>
-          </a:p>
-          <a:p>
-            <a:pPr lvl="1">
-              <a:lnSpc>
-                <a:spcPct val="80000"/>
-              </a:lnSpc>
-              <a:buFont typeface="Wingdings" pitchFamily="2" charset="2"/>
-              <a:buNone/>
-            </a:pPr>
-            <a:endParaRPr lang="en-US" altLang="zh-CN" sz="1500" dirty="0" smtClean="0">
-              <a:latin typeface="华文细黑" panose="02010600040101010101" pitchFamily="2" charset="-122"/>
-              <a:ea typeface="华文细黑" panose="02010600040101010101" pitchFamily="2" charset="-122"/>
-            </a:endParaRPr>
-          </a:p>
-          <a:p>
-            <a:pPr lvl="1">
-              <a:lnSpc>
-                <a:spcPct val="80000"/>
-              </a:lnSpc>
-              <a:buFont typeface="Wingdings" pitchFamily="2" charset="2"/>
-              <a:buNone/>
-            </a:pPr>
-            <a:r>
-              <a:rPr lang="zh-CN" altLang="en-US" sz="1500" dirty="0" smtClean="0">
-                <a:latin typeface="华文细黑" panose="02010600040101010101" pitchFamily="2" charset="-122"/>
-                <a:ea typeface="华文细黑" panose="02010600040101010101" pitchFamily="2" charset="-122"/>
-              </a:rPr>
-              <a:t>涉及数据的地方，建议运用数据对比、</a:t>
-            </a:r>
-            <a:r>
-              <a:rPr lang="en-US" altLang="zh-CN" sz="1500" dirty="0" smtClean="0">
-                <a:latin typeface="华文细黑" panose="02010600040101010101" pitchFamily="2" charset="-122"/>
-                <a:ea typeface="华文细黑" panose="02010600040101010101" pitchFamily="2" charset="-122"/>
-              </a:rPr>
-              <a:t>SWOT</a:t>
-            </a:r>
-            <a:r>
-              <a:rPr lang="zh-CN" altLang="en-US" sz="1500" dirty="0" smtClean="0">
-                <a:latin typeface="华文细黑" panose="02010600040101010101" pitchFamily="2" charset="-122"/>
-                <a:ea typeface="华文细黑" panose="02010600040101010101" pitchFamily="2" charset="-122"/>
-              </a:rPr>
-              <a:t>、</a:t>
-            </a:r>
-            <a:r>
-              <a:rPr lang="en-US" altLang="zh-CN" sz="1500" dirty="0" smtClean="0">
-                <a:latin typeface="华文细黑" panose="02010600040101010101" pitchFamily="2" charset="-122"/>
-                <a:ea typeface="华文细黑" panose="02010600040101010101" pitchFamily="2" charset="-122"/>
-              </a:rPr>
-              <a:t>5W2H</a:t>
-            </a:r>
-            <a:r>
-              <a:rPr lang="zh-CN" altLang="en-US" sz="1500" dirty="0" smtClean="0">
-                <a:latin typeface="华文细黑" panose="02010600040101010101" pitchFamily="2" charset="-122"/>
-                <a:ea typeface="华文细黑" panose="02010600040101010101" pitchFamily="2" charset="-122"/>
-              </a:rPr>
-              <a:t>等分析方法</a:t>
-            </a:r>
-            <a:endParaRPr lang="en-US" altLang="zh-CN" sz="1500" dirty="0" smtClean="0">
-              <a:latin typeface="华文细黑" panose="02010600040101010101" pitchFamily="2" charset="-122"/>
-              <a:ea typeface="华文细黑" panose="02010600040101010101" pitchFamily="2" charset="-122"/>
-            </a:endParaRPr>
+              <a:rPr kumimoji="1" lang="zh-CN" altLang="en-US" sz="2000" dirty="0" smtClean="0"/>
+              <a:t>爱好：健身 看书 宅</a:t>
+            </a:r>
+            <a:endParaRPr kumimoji="1" lang="en-US" altLang="zh-CN" sz="2000" dirty="0" smtClean="0"/>
+          </a:p>
+        </p:txBody>
+      </p:sp>
+      <p:sp>
+        <p:nvSpPr>
+          <p:cNvPr id="5" name="文本框 4"/>
+          <p:cNvSpPr txBox="1"/>
+          <p:nvPr/>
+        </p:nvSpPr>
+        <p:spPr>
+          <a:xfrm>
+            <a:off x="1847528" y="4725144"/>
+            <a:ext cx="8928992" cy="369332"/>
+          </a:xfrm>
+          <a:prstGeom prst="rect">
+            <a:avLst/>
+          </a:prstGeom>
+          <a:noFill/>
+        </p:spPr>
+        <p:txBody>
+          <a:bodyPr wrap="square" rtlCol="0">
+            <a:spAutoFit/>
+          </a:bodyPr>
+          <a:lstStyle/>
+          <a:p>
+            <a:r>
+              <a:rPr kumimoji="1" lang="zh-CN" altLang="en-US" dirty="0" smtClean="0"/>
+              <a:t>一个对技术的狂热爱好者，因为相信科技改变世界，愿意用最合适的技术做最好的产品</a:t>
+            </a:r>
+            <a:endParaRPr kumimoji="1" lang="zh-CN" altLang="en-US" dirty="0"/>
           </a:p>
         </p:txBody>
       </p:sp>
@@ -3675,6 +2978,307 @@
           <a:chExt cx="0" cy="0"/>
         </a:xfrm>
       </p:grpSpPr>
+      <p:sp>
+        <p:nvSpPr>
+          <p:cNvPr id="69" name="Freeform 8"/>
+          <p:cNvSpPr/>
+          <p:nvPr/>
+        </p:nvSpPr>
+        <p:spPr bwMode="auto">
+          <a:xfrm>
+            <a:off x="6244830" y="3700485"/>
+            <a:ext cx="2036003" cy="2034813"/>
+          </a:xfrm>
+          <a:custGeom>
+            <a:avLst/>
+            <a:gdLst>
+              <a:gd name="T0" fmla="*/ 1710 w 1710"/>
+              <a:gd name="T1" fmla="*/ 986 h 1709"/>
+              <a:gd name="T2" fmla="*/ 1710 w 1710"/>
+              <a:gd name="T3" fmla="*/ 0 h 1709"/>
+              <a:gd name="T4" fmla="*/ 722 w 1710"/>
+              <a:gd name="T5" fmla="*/ 0 h 1709"/>
+              <a:gd name="T6" fmla="*/ 0 w 1710"/>
+              <a:gd name="T7" fmla="*/ 722 h 1709"/>
+              <a:gd name="T8" fmla="*/ 988 w 1710"/>
+              <a:gd name="T9" fmla="*/ 1709 h 1709"/>
+              <a:gd name="T10" fmla="*/ 1710 w 1710"/>
+              <a:gd name="T11" fmla="*/ 986 h 1709"/>
+            </a:gdLst>
+            <a:ahLst/>
+            <a:cxnLst>
+              <a:cxn ang="0">
+                <a:pos x="T0" y="T1"/>
+              </a:cxn>
+              <a:cxn ang="0">
+                <a:pos x="T2" y="T3"/>
+              </a:cxn>
+              <a:cxn ang="0">
+                <a:pos x="T4" y="T5"/>
+              </a:cxn>
+              <a:cxn ang="0">
+                <a:pos x="T6" y="T7"/>
+              </a:cxn>
+              <a:cxn ang="0">
+                <a:pos x="T8" y="T9"/>
+              </a:cxn>
+              <a:cxn ang="0">
+                <a:pos x="T10" y="T11"/>
+              </a:cxn>
+            </a:cxnLst>
+            <a:rect l="0" t="0" r="r" b="b"/>
+            <a:pathLst>
+              <a:path w="1710" h="1709">
+                <a:moveTo>
+                  <a:pt x="1710" y="986"/>
+                </a:moveTo>
+                <a:lnTo>
+                  <a:pt x="1710" y="0"/>
+                </a:lnTo>
+                <a:lnTo>
+                  <a:pt x="722" y="0"/>
+                </a:lnTo>
+                <a:lnTo>
+                  <a:pt x="0" y="722"/>
+                </a:lnTo>
+                <a:lnTo>
+                  <a:pt x="988" y="1709"/>
+                </a:lnTo>
+                <a:lnTo>
+                  <a:pt x="1710" y="986"/>
+                </a:lnTo>
+              </a:path>
+            </a:pathLst>
+          </a:custGeom>
+          <a:noFill/>
+          <a:ln>
+            <a:noFill/>
+          </a:ln>
+          <a:extLst>
+            <a:ext uri="{909E8E84-426E-40dd-AFC4-6F175D3DCCD1}">
+              <a14:hiddenFill xmlns:a14="http://schemas.microsoft.com/office/drawing/2010/main">
+                <a:solidFill>
+                  <a:srgbClr val="FFFFFF"/>
+                </a:solidFill>
+              </a14:hiddenFill>
+            </a:ext>
+            <a:ext uri="{91240B29-F687-4f45-9708-019B960494DF}">
+              <a14:hiddenLine xmlns:a14="http://schemas.microsoft.com/office/drawing/2010/main" w="9525">
+                <a:solidFill>
+                  <a:srgbClr val="000000"/>
+                </a:solidFill>
+                <a:round/>
+              </a14:hiddenLine>
+            </a:ext>
+          </a:extLst>
+        </p:spPr>
+        <p:txBody>
+          <a:bodyPr vert="horz" wrap="square" lIns="91440" tIns="45720" rIns="91440" bIns="45720" numCol="1" anchor="t" anchorCtr="0" compatLnSpc="1"/>
+          <a:lstStyle/>
+          <a:p>
+            <a:pPr marL="0" marR="0" lvl="0" indent="0" defTabSz="914400" eaLnBrk="1" latinLnBrk="0" hangingPunct="1">
+              <a:spcBef>
+                <a:spcPts val="0"/>
+              </a:spcBef>
+              <a:spcAft>
+                <a:spcPts val="0"/>
+              </a:spcAft>
+              <a:buClrTx/>
+              <a:buSzTx/>
+              <a:buFontTx/>
+              <a:buNone/>
+              <a:defRPr/>
+            </a:pPr>
+            <a:endParaRPr kumimoji="0" lang="zh-CN" altLang="en-US" sz="1800" b="0" i="0" u="none" strike="noStrike" kern="0" cap="none" spc="0" normalizeH="0" baseline="0" noProof="0">
+              <a:ln>
+                <a:noFill/>
+              </a:ln>
+              <a:solidFill>
+                <a:sysClr val="windowText" lastClr="000000"/>
+              </a:solidFill>
+              <a:effectLst/>
+              <a:uLnTx/>
+              <a:uFillTx/>
+            </a:endParaRPr>
+          </a:p>
+        </p:txBody>
+      </p:sp>
+      <p:sp>
+        <p:nvSpPr>
+          <p:cNvPr id="2" name="文本框 1"/>
+          <p:cNvSpPr txBox="1"/>
+          <p:nvPr/>
+        </p:nvSpPr>
+        <p:spPr>
+          <a:xfrm>
+            <a:off x="4439816" y="764704"/>
+            <a:ext cx="3240360" cy="461665"/>
+          </a:xfrm>
+          <a:prstGeom prst="rect">
+            <a:avLst/>
+          </a:prstGeom>
+          <a:noFill/>
+        </p:spPr>
+        <p:txBody>
+          <a:bodyPr wrap="square" rtlCol="0">
+            <a:spAutoFit/>
+          </a:bodyPr>
+          <a:lstStyle/>
+          <a:p>
+            <a:r>
+              <a:rPr kumimoji="1" lang="zh-CN" altLang="en-US" sz="2400" b="1" dirty="0" smtClean="0"/>
+              <a:t>对公司的了解</a:t>
+            </a:r>
+            <a:endParaRPr kumimoji="1" lang="zh-CN" altLang="en-US" sz="2400" b="1" dirty="0"/>
+          </a:p>
+        </p:txBody>
+      </p:sp>
+      <p:sp>
+        <p:nvSpPr>
+          <p:cNvPr id="3" name="文本框 2"/>
+          <p:cNvSpPr txBox="1"/>
+          <p:nvPr/>
+        </p:nvSpPr>
+        <p:spPr>
+          <a:xfrm>
+            <a:off x="1343472" y="1412776"/>
+            <a:ext cx="9145016" cy="3847207"/>
+          </a:xfrm>
+          <a:prstGeom prst="rect">
+            <a:avLst/>
+          </a:prstGeom>
+          <a:noFill/>
+        </p:spPr>
+        <p:txBody>
+          <a:bodyPr wrap="square" rtlCol="0">
+            <a:spAutoFit/>
+          </a:bodyPr>
+          <a:lstStyle/>
+          <a:p>
+            <a:r>
+              <a:rPr kumimoji="1" lang="en-US" altLang="zh-CN" sz="2000" b="1" dirty="0" smtClean="0"/>
+              <a:t>1.</a:t>
+            </a:r>
+            <a:r>
+              <a:rPr kumimoji="1" lang="zh-CN" altLang="en-US" sz="2000" b="1" dirty="0" smtClean="0"/>
+              <a:t>对公司业务的熟悉</a:t>
+            </a:r>
+            <a:endParaRPr kumimoji="1" lang="en-US" altLang="zh-CN" sz="2000" b="1" dirty="0" smtClean="0"/>
+          </a:p>
+          <a:p>
+            <a:r>
+              <a:rPr kumimoji="1" lang="zh-CN" altLang="en-US" dirty="0" smtClean="0"/>
+              <a:t>公司主要从事视频直播这块，目前视频直播还是比较火的项目，只要产品做得好，市场还可以继续扩大</a:t>
+            </a:r>
+            <a:endParaRPr kumimoji="1" lang="en-US" altLang="zh-CN" dirty="0" smtClean="0"/>
+          </a:p>
+          <a:p>
+            <a:endParaRPr kumimoji="1" lang="en-US" altLang="zh-CN" sz="2000" b="1" dirty="0" smtClean="0"/>
+          </a:p>
+          <a:p>
+            <a:r>
+              <a:rPr kumimoji="1" lang="en-US" altLang="zh-CN" sz="2000" b="1" dirty="0" smtClean="0"/>
+              <a:t>2.</a:t>
+            </a:r>
+            <a:r>
+              <a:rPr kumimoji="1" lang="zh-CN" altLang="en-US" sz="2000" b="1" dirty="0" smtClean="0"/>
+              <a:t>团队建设及工作流程</a:t>
+            </a:r>
+            <a:endParaRPr kumimoji="1" lang="en-US" altLang="zh-CN" sz="2000" b="1" dirty="0" smtClean="0"/>
+          </a:p>
+          <a:p>
+            <a:r>
+              <a:rPr kumimoji="1" lang="zh-CN" altLang="en-US" dirty="0" smtClean="0"/>
+              <a:t>对公司各团队设置及公司基本运转流程已有基本了解，从需求</a:t>
+            </a:r>
+            <a:r>
+              <a:rPr kumimoji="1" lang="en-US" altLang="zh-CN" dirty="0" smtClean="0"/>
+              <a:t>-&gt;</a:t>
+            </a:r>
+            <a:r>
+              <a:rPr kumimoji="1" lang="zh-CN" altLang="en-US" dirty="0" smtClean="0"/>
+              <a:t>设计</a:t>
+            </a:r>
+            <a:r>
+              <a:rPr kumimoji="1" lang="en-US" altLang="zh-CN" dirty="0" smtClean="0"/>
+              <a:t>-&gt;</a:t>
+            </a:r>
+            <a:r>
+              <a:rPr kumimoji="1" lang="zh-CN" altLang="en-US" dirty="0" smtClean="0"/>
+              <a:t>研发</a:t>
+            </a:r>
+            <a:r>
+              <a:rPr kumimoji="1" lang="en-US" altLang="zh-CN" dirty="0" smtClean="0"/>
+              <a:t>-&gt;</a:t>
+            </a:r>
+            <a:r>
+              <a:rPr kumimoji="1" lang="zh-CN" altLang="en-US" dirty="0" smtClean="0"/>
+              <a:t>上线</a:t>
+            </a:r>
+            <a:r>
+              <a:rPr kumimoji="1" lang="en-US" altLang="en-US" dirty="0" smtClean="0"/>
+              <a:t>运营，</a:t>
+            </a:r>
+            <a:r>
+              <a:rPr kumimoji="1" lang="zh-CN" altLang="en-US" dirty="0" smtClean="0"/>
+              <a:t>每一步大家都分工明确，相互配合，使整个产品线能够高速运转，从而产出更好的，符合市场需求的产品</a:t>
+            </a:r>
+            <a:endParaRPr kumimoji="1" lang="en-US" altLang="zh-CN" dirty="0" smtClean="0"/>
+          </a:p>
+          <a:p>
+            <a:endParaRPr kumimoji="1" lang="en-US" altLang="en-US" sz="2000" b="1" dirty="0" smtClean="0"/>
+          </a:p>
+          <a:p>
+            <a:r>
+              <a:rPr kumimoji="1" lang="en-US" altLang="zh-CN" sz="2000" b="1" dirty="0" smtClean="0"/>
+              <a:t>3.</a:t>
+            </a:r>
+            <a:r>
+              <a:rPr kumimoji="1" lang="zh-CN" altLang="en-US" sz="2000" b="1" dirty="0" smtClean="0"/>
+              <a:t>系统工具的使用</a:t>
+            </a:r>
+            <a:endParaRPr kumimoji="1" lang="en-US" altLang="zh-CN" sz="2000" b="1" dirty="0" smtClean="0"/>
+          </a:p>
+          <a:p>
+            <a:r>
+              <a:rPr kumimoji="1" lang="zh-CN" altLang="en-US" dirty="0" smtClean="0"/>
+              <a:t>已能够充分运用公司各种系统工具</a:t>
+            </a:r>
+            <a:r>
+              <a:rPr kumimoji="1" lang="zh-CN" altLang="en-US" dirty="0"/>
+              <a:t>如</a:t>
+            </a:r>
+            <a:r>
+              <a:rPr kumimoji="1" lang="en-US" altLang="zh-CN" dirty="0"/>
+              <a:t>TPAD</a:t>
+            </a:r>
+            <a:r>
+              <a:rPr kumimoji="1" lang="zh-CN" altLang="en-US" dirty="0"/>
+              <a:t>，邮箱</a:t>
+            </a:r>
+            <a:r>
+              <a:rPr kumimoji="1" lang="en-US" altLang="zh-CN" dirty="0"/>
+              <a:t>，</a:t>
+            </a:r>
+            <a:r>
+              <a:rPr kumimoji="1" lang="zh-CN" altLang="en-US" dirty="0"/>
+              <a:t>分享销客等</a:t>
+            </a:r>
+            <a:r>
+              <a:rPr kumimoji="1" lang="zh-CN" altLang="en-US" dirty="0" smtClean="0"/>
+              <a:t>，高效的解决工作中的一些问题</a:t>
+            </a:r>
+            <a:endParaRPr kumimoji="1" lang="en-US" altLang="zh-CN" dirty="0" smtClean="0"/>
+          </a:p>
+          <a:p>
+            <a:r>
+              <a:rPr kumimoji="1" lang="en-US" altLang="zh-CN" dirty="0" smtClean="0"/>
+              <a:t> </a:t>
+            </a:r>
+            <a:endParaRPr kumimoji="1" lang="zh-CN" altLang="en-US" dirty="0"/>
+          </a:p>
+        </p:txBody>
+      </p:sp>
     </p:spTree>
   </p:cSld>
   <p:clrMapOvr>
@@ -3832,163 +3436,6 @@
           </a:p>
         </p:txBody>
       </p:sp>
-    </p:spTree>
-  </p:cSld>
-  <p:clrMapOvr>
-    <a:masterClrMapping/>
-  </p:clrMapOvr>
-  <p:timing>
-    <p:tnLst>
-      <p:par>
-        <p:cTn xmlns:p14="http://schemas.microsoft.com/office/powerpoint/2010/main" id="1" dur="indefinite" restart="never" nodeType="tmRoot"/>
-      </p:par>
-    </p:tnLst>
-  </p:timing>
-</p:sld>
-</file>
-
-<file path=ppt/slides/slide5.xml><?xml version="1.0" encoding="utf-8"?>
-<p:sld xmlns:a="http://schemas.openxmlformats.org/drawingml/2006/main" xmlns:r="http://schemas.openxmlformats.org/officeDocument/2006/relationships" xmlns:p="http://schemas.openxmlformats.org/presentationml/2006/main">
-  <p:cSld>
-    <p:spTree>
-      <p:nvGrpSpPr>
-        <p:cNvPr id="1" name=""/>
-        <p:cNvGrpSpPr/>
-        <p:nvPr/>
-      </p:nvGrpSpPr>
-      <p:grpSpPr>
-        <a:xfrm>
-          <a:off x="0" y="0"/>
-          <a:ext cx="0" cy="0"/>
-          <a:chOff x="0" y="0"/>
-          <a:chExt cx="0" cy="0"/>
-        </a:xfrm>
-      </p:grpSpPr>
-      <p:sp>
-        <p:nvSpPr>
-          <p:cNvPr id="69" name="Freeform 8"/>
-          <p:cNvSpPr/>
-          <p:nvPr/>
-        </p:nvSpPr>
-        <p:spPr bwMode="auto">
-          <a:xfrm>
-            <a:off x="6244830" y="3700485"/>
-            <a:ext cx="2036003" cy="2034813"/>
-          </a:xfrm>
-          <a:custGeom>
-            <a:avLst/>
-            <a:gdLst>
-              <a:gd name="T0" fmla="*/ 1710 w 1710"/>
-              <a:gd name="T1" fmla="*/ 986 h 1709"/>
-              <a:gd name="T2" fmla="*/ 1710 w 1710"/>
-              <a:gd name="T3" fmla="*/ 0 h 1709"/>
-              <a:gd name="T4" fmla="*/ 722 w 1710"/>
-              <a:gd name="T5" fmla="*/ 0 h 1709"/>
-              <a:gd name="T6" fmla="*/ 0 w 1710"/>
-              <a:gd name="T7" fmla="*/ 722 h 1709"/>
-              <a:gd name="T8" fmla="*/ 988 w 1710"/>
-              <a:gd name="T9" fmla="*/ 1709 h 1709"/>
-              <a:gd name="T10" fmla="*/ 1710 w 1710"/>
-              <a:gd name="T11" fmla="*/ 986 h 1709"/>
-            </a:gdLst>
-            <a:ahLst/>
-            <a:cxnLst>
-              <a:cxn ang="0">
-                <a:pos x="T0" y="T1"/>
-              </a:cxn>
-              <a:cxn ang="0">
-                <a:pos x="T2" y="T3"/>
-              </a:cxn>
-              <a:cxn ang="0">
-                <a:pos x="T4" y="T5"/>
-              </a:cxn>
-              <a:cxn ang="0">
-                <a:pos x="T6" y="T7"/>
-              </a:cxn>
-              <a:cxn ang="0">
-                <a:pos x="T8" y="T9"/>
-              </a:cxn>
-              <a:cxn ang="0">
-                <a:pos x="T10" y="T11"/>
-              </a:cxn>
-            </a:cxnLst>
-            <a:rect l="0" t="0" r="r" b="b"/>
-            <a:pathLst>
-              <a:path w="1710" h="1709">
-                <a:moveTo>
-                  <a:pt x="1710" y="986"/>
-                </a:moveTo>
-                <a:lnTo>
-                  <a:pt x="1710" y="0"/>
-                </a:lnTo>
-                <a:lnTo>
-                  <a:pt x="722" y="0"/>
-                </a:lnTo>
-                <a:lnTo>
-                  <a:pt x="0" y="722"/>
-                </a:lnTo>
-                <a:lnTo>
-                  <a:pt x="988" y="1709"/>
-                </a:lnTo>
-                <a:lnTo>
-                  <a:pt x="1710" y="986"/>
-                </a:lnTo>
-              </a:path>
-            </a:pathLst>
-          </a:custGeom>
-          <a:noFill/>
-          <a:ln>
-            <a:noFill/>
-          </a:ln>
-          <a:extLst>
-            <a:ext uri="{909E8E84-426E-40dd-AFC4-6F175D3DCCD1}">
-              <a14:hiddenFill xmlns:a14="http://schemas.microsoft.com/office/drawing/2010/main">
-                <a:solidFill>
-                  <a:srgbClr val="FFFFFF"/>
-                </a:solidFill>
-              </a14:hiddenFill>
-            </a:ext>
-            <a:ext uri="{91240B29-F687-4f45-9708-019B960494DF}">
-              <a14:hiddenLine xmlns:a14="http://schemas.microsoft.com/office/drawing/2010/main" w="9525">
-                <a:solidFill>
-                  <a:srgbClr val="000000"/>
-                </a:solidFill>
-                <a:round/>
-              </a14:hiddenLine>
-            </a:ext>
-          </a:extLst>
-        </p:spPr>
-        <p:txBody>
-          <a:bodyPr vert="horz" wrap="square" lIns="91440" tIns="45720" rIns="91440" bIns="45720" numCol="1" anchor="t" anchorCtr="0" compatLnSpc="1"/>
-          <a:lstStyle/>
-          <a:p>
-            <a:pPr marL="0" marR="0" lvl="0" indent="0" defTabSz="914400" eaLnBrk="1" latinLnBrk="0" hangingPunct="1">
-              <a:spcBef>
-                <a:spcPts val="0"/>
-              </a:spcBef>
-              <a:spcAft>
-                <a:spcPts val="0"/>
-              </a:spcAft>
-              <a:buClrTx/>
-              <a:buSzTx/>
-              <a:buFontTx/>
-              <a:buNone/>
-              <a:defRPr/>
-            </a:pPr>
-            <a:endParaRPr kumimoji="0" lang="zh-CN" altLang="en-US" sz="1800" b="0" i="0" u="none" strike="noStrike" kern="0" cap="none" spc="0" normalizeH="0" baseline="0" noProof="0">
-              <a:ln>
-                <a:noFill/>
-              </a:ln>
-              <a:solidFill>
-                <a:sysClr val="windowText" lastClr="000000"/>
-              </a:solidFill>
-              <a:effectLst/>
-              <a:uLnTx/>
-              <a:uFillTx/>
-            </a:endParaRPr>
-          </a:p>
-        </p:txBody>
-      </p:sp>
       <p:sp>
         <p:nvSpPr>
           <p:cNvPr id="71" name="Freeform 10"/>
@@ -4114,6 +3561,121 @@
           </a:p>
         </p:txBody>
       </p:sp>
+      <p:sp>
+        <p:nvSpPr>
+          <p:cNvPr id="2" name="文本框 1"/>
+          <p:cNvSpPr txBox="1"/>
+          <p:nvPr/>
+        </p:nvSpPr>
+        <p:spPr>
+          <a:xfrm>
+            <a:off x="4151784" y="764704"/>
+            <a:ext cx="4392488" cy="461665"/>
+          </a:xfrm>
+          <a:prstGeom prst="rect">
+            <a:avLst/>
+          </a:prstGeom>
+          <a:noFill/>
+        </p:spPr>
+        <p:txBody>
+          <a:bodyPr wrap="square" rtlCol="0">
+            <a:spAutoFit/>
+          </a:bodyPr>
+          <a:lstStyle/>
+          <a:p>
+            <a:r>
+              <a:rPr kumimoji="1" lang="zh-CN" altLang="en-US" sz="2400" b="1" dirty="0" smtClean="0"/>
+              <a:t>对本职工作的认知要求及目标</a:t>
+            </a:r>
+            <a:endParaRPr kumimoji="1" lang="zh-CN" altLang="en-US" sz="2400" b="1" dirty="0"/>
+          </a:p>
+        </p:txBody>
+      </p:sp>
+      <p:sp>
+        <p:nvSpPr>
+          <p:cNvPr id="3" name="文本框 2"/>
+          <p:cNvSpPr txBox="1"/>
+          <p:nvPr/>
+        </p:nvSpPr>
+        <p:spPr>
+          <a:xfrm>
+            <a:off x="1343472" y="1412776"/>
+            <a:ext cx="8424936" cy="3508653"/>
+          </a:xfrm>
+          <a:prstGeom prst="rect">
+            <a:avLst/>
+          </a:prstGeom>
+          <a:noFill/>
+        </p:spPr>
+        <p:txBody>
+          <a:bodyPr wrap="square" rtlCol="0">
+            <a:spAutoFit/>
+          </a:bodyPr>
+          <a:lstStyle/>
+          <a:p>
+            <a:r>
+              <a:rPr kumimoji="1" lang="en-US" altLang="zh-CN" sz="2000" b="1" dirty="0" smtClean="0"/>
+              <a:t>1.</a:t>
+            </a:r>
+            <a:r>
+              <a:rPr kumimoji="1" lang="zh-CN" altLang="en-US" sz="2000" b="1" dirty="0" smtClean="0"/>
+              <a:t>对本职工作的认识</a:t>
+            </a:r>
+            <a:endParaRPr kumimoji="1" lang="en-US" altLang="zh-CN" sz="2000" b="1" dirty="0" smtClean="0"/>
+          </a:p>
+          <a:p>
+            <a:r>
+              <a:rPr kumimoji="1" lang="zh-CN" altLang="en-US" dirty="0" smtClean="0"/>
+              <a:t>作为前端开发工程师，主要负责公司产品的界面制作。我目前主要工作的重点就是公司国内及国外各产品的活动页面制作。在导师的引导下对公司前端小组的工作流程已非常熟悉，能够按时完成安排的各项工作。</a:t>
+            </a:r>
+            <a:endParaRPr kumimoji="1" lang="en-US" altLang="zh-CN" dirty="0"/>
+          </a:p>
+          <a:p>
+            <a:endParaRPr kumimoji="1" lang="en-US" altLang="zh-CN" dirty="0" smtClean="0"/>
+          </a:p>
+          <a:p>
+            <a:endParaRPr kumimoji="1" lang="en-US" altLang="zh-CN" dirty="0"/>
+          </a:p>
+          <a:p>
+            <a:endParaRPr kumimoji="1" lang="en-US" altLang="zh-CN" sz="2000" b="1" dirty="0" smtClean="0"/>
+          </a:p>
+          <a:p>
+            <a:r>
+              <a:rPr kumimoji="1" lang="zh-CN" altLang="zh-CN" sz="2000" b="1" dirty="0" smtClean="0"/>
+              <a:t>2</a:t>
+            </a:r>
+            <a:r>
+              <a:rPr kumimoji="1" lang="zh-CN" altLang="en-US" sz="2000" b="1" dirty="0" smtClean="0"/>
+              <a:t>.试用期完成的工作量</a:t>
+            </a:r>
+            <a:endParaRPr kumimoji="1" lang="en-US" altLang="zh-CN" sz="2000" b="1" dirty="0" smtClean="0"/>
+          </a:p>
+          <a:p>
+            <a:r>
+              <a:rPr kumimoji="1" lang="zh-CN" altLang="en-US" dirty="0" smtClean="0"/>
+              <a:t>已完成活动</a:t>
+            </a:r>
+            <a:endParaRPr kumimoji="1" lang="en-US" altLang="zh-CN" dirty="0" smtClean="0"/>
+          </a:p>
+          <a:p>
+            <a:r>
+              <a:rPr kumimoji="1" lang="zh-CN" altLang="en-US" dirty="0" smtClean="0"/>
+              <a:t>国内</a:t>
+            </a:r>
+            <a:endParaRPr kumimoji="1" lang="en-US" altLang="zh-CN" dirty="0" smtClean="0"/>
+          </a:p>
+          <a:p>
+            <a:r>
+              <a:rPr kumimoji="1" lang="zh-CN" altLang="en-US" dirty="0" smtClean="0"/>
+              <a:t>海外</a:t>
+            </a:r>
+            <a:endParaRPr kumimoji="1" lang="en-US" altLang="zh-CN" dirty="0" smtClean="0"/>
+          </a:p>
+          <a:p>
+            <a:endParaRPr kumimoji="1" lang="zh-CN" altLang="en-US" dirty="0"/>
+          </a:p>
+        </p:txBody>
+      </p:sp>
     </p:spTree>
   </p:cSld>
   <p:clrMapOvr>
@@ -4129,7 +3691,701 @@
 </p:sld>
 </file>
 
+<file path=ppt/slides/slide5.xml><?xml version="1.0" encoding="utf-8"?>
+<p:sld xmlns:a="http://schemas.openxmlformats.org/drawingml/2006/main" xmlns:r="http://schemas.openxmlformats.org/officeDocument/2006/relationships" xmlns:p="http://schemas.openxmlformats.org/presentationml/2006/main">
+  <p:cSld>
+    <p:spTree>
+      <p:nvGrpSpPr>
+        <p:cNvPr id="1" name=""/>
+        <p:cNvGrpSpPr/>
+        <p:nvPr/>
+      </p:nvGrpSpPr>
+      <p:grpSpPr>
+        <a:xfrm>
+          <a:off x="0" y="0"/>
+          <a:ext cx="0" cy="0"/>
+          <a:chOff x="0" y="0"/>
+          <a:chExt cx="0" cy="0"/>
+        </a:xfrm>
+      </p:grpSpPr>
+      <p:sp>
+        <p:nvSpPr>
+          <p:cNvPr id="2" name="Freeform 8"/>
+          <p:cNvSpPr/>
+          <p:nvPr/>
+        </p:nvSpPr>
+        <p:spPr bwMode="auto">
+          <a:xfrm>
+            <a:off x="6244830" y="3700485"/>
+            <a:ext cx="2036003" cy="2034813"/>
+          </a:xfrm>
+          <a:custGeom>
+            <a:avLst/>
+            <a:gdLst>
+              <a:gd name="T0" fmla="*/ 1710 w 1710"/>
+              <a:gd name="T1" fmla="*/ 986 h 1709"/>
+              <a:gd name="T2" fmla="*/ 1710 w 1710"/>
+              <a:gd name="T3" fmla="*/ 0 h 1709"/>
+              <a:gd name="T4" fmla="*/ 722 w 1710"/>
+              <a:gd name="T5" fmla="*/ 0 h 1709"/>
+              <a:gd name="T6" fmla="*/ 0 w 1710"/>
+              <a:gd name="T7" fmla="*/ 722 h 1709"/>
+              <a:gd name="T8" fmla="*/ 988 w 1710"/>
+              <a:gd name="T9" fmla="*/ 1709 h 1709"/>
+              <a:gd name="T10" fmla="*/ 1710 w 1710"/>
+              <a:gd name="T11" fmla="*/ 986 h 1709"/>
+            </a:gdLst>
+            <a:ahLst/>
+            <a:cxnLst>
+              <a:cxn ang="0">
+                <a:pos x="T0" y="T1"/>
+              </a:cxn>
+              <a:cxn ang="0">
+                <a:pos x="T2" y="T3"/>
+              </a:cxn>
+              <a:cxn ang="0">
+                <a:pos x="T4" y="T5"/>
+              </a:cxn>
+              <a:cxn ang="0">
+                <a:pos x="T6" y="T7"/>
+              </a:cxn>
+              <a:cxn ang="0">
+                <a:pos x="T8" y="T9"/>
+              </a:cxn>
+              <a:cxn ang="0">
+                <a:pos x="T10" y="T11"/>
+              </a:cxn>
+            </a:cxnLst>
+            <a:rect l="0" t="0" r="r" b="b"/>
+            <a:pathLst>
+              <a:path w="1710" h="1709">
+                <a:moveTo>
+                  <a:pt x="1710" y="986"/>
+                </a:moveTo>
+                <a:lnTo>
+                  <a:pt x="1710" y="0"/>
+                </a:lnTo>
+                <a:lnTo>
+                  <a:pt x="722" y="0"/>
+                </a:lnTo>
+                <a:lnTo>
+                  <a:pt x="0" y="722"/>
+                </a:lnTo>
+                <a:lnTo>
+                  <a:pt x="988" y="1709"/>
+                </a:lnTo>
+                <a:lnTo>
+                  <a:pt x="1710" y="986"/>
+                </a:lnTo>
+              </a:path>
+            </a:pathLst>
+          </a:custGeom>
+          <a:noFill/>
+          <a:ln>
+            <a:noFill/>
+          </a:ln>
+          <a:extLst>
+            <a:ext uri="{909E8E84-426E-40dd-AFC4-6F175D3DCCD1}">
+              <a14:hiddenFill xmlns:a14="http://schemas.microsoft.com/office/drawing/2010/main">
+                <a:solidFill>
+                  <a:srgbClr val="FFFFFF"/>
+                </a:solidFill>
+              </a14:hiddenFill>
+            </a:ext>
+            <a:ext uri="{91240B29-F687-4f45-9708-019B960494DF}">
+              <a14:hiddenLine xmlns:a14="http://schemas.microsoft.com/office/drawing/2010/main" w="9525">
+                <a:solidFill>
+                  <a:srgbClr val="000000"/>
+                </a:solidFill>
+                <a:round/>
+              </a14:hiddenLine>
+            </a:ext>
+          </a:extLst>
+        </p:spPr>
+        <p:txBody>
+          <a:bodyPr vert="horz" wrap="square" lIns="91440" tIns="45720" rIns="91440" bIns="45720" numCol="1" anchor="t" anchorCtr="0" compatLnSpc="1"/>
+          <a:lstStyle/>
+          <a:p>
+            <a:pPr marL="0" marR="0" lvl="0" indent="0" defTabSz="914400" eaLnBrk="1" latinLnBrk="0" hangingPunct="1">
+              <a:spcBef>
+                <a:spcPts val="0"/>
+              </a:spcBef>
+              <a:spcAft>
+                <a:spcPts val="0"/>
+              </a:spcAft>
+              <a:buClrTx/>
+              <a:buSzTx/>
+              <a:buFontTx/>
+              <a:buNone/>
+              <a:defRPr/>
+            </a:pPr>
+            <a:endParaRPr kumimoji="0" lang="zh-CN" altLang="en-US" sz="1800" b="0" i="0" u="none" strike="noStrike" kern="0" cap="none" spc="0" normalizeH="0" baseline="0" noProof="0">
+              <a:ln>
+                <a:noFill/>
+              </a:ln>
+              <a:solidFill>
+                <a:sysClr val="windowText" lastClr="000000"/>
+              </a:solidFill>
+              <a:effectLst/>
+              <a:uLnTx/>
+              <a:uFillTx/>
+            </a:endParaRPr>
+          </a:p>
+        </p:txBody>
+      </p:sp>
+      <p:sp>
+        <p:nvSpPr>
+          <p:cNvPr id="3" name="Freeform 10"/>
+          <p:cNvSpPr/>
+          <p:nvPr/>
+        </p:nvSpPr>
+        <p:spPr bwMode="auto">
+          <a:xfrm>
+            <a:off x="8361796" y="3700485"/>
+            <a:ext cx="2034813" cy="2034813"/>
+          </a:xfrm>
+          <a:custGeom>
+            <a:avLst/>
+            <a:gdLst>
+              <a:gd name="T0" fmla="*/ 0 w 1709"/>
+              <a:gd name="T1" fmla="*/ 986 h 1709"/>
+              <a:gd name="T2" fmla="*/ 0 w 1709"/>
+              <a:gd name="T3" fmla="*/ 0 h 1709"/>
+              <a:gd name="T4" fmla="*/ 987 w 1709"/>
+              <a:gd name="T5" fmla="*/ 0 h 1709"/>
+              <a:gd name="T6" fmla="*/ 1709 w 1709"/>
+              <a:gd name="T7" fmla="*/ 722 h 1709"/>
+              <a:gd name="T8" fmla="*/ 721 w 1709"/>
+              <a:gd name="T9" fmla="*/ 1709 h 1709"/>
+              <a:gd name="T10" fmla="*/ 0 w 1709"/>
+              <a:gd name="T11" fmla="*/ 986 h 1709"/>
+            </a:gdLst>
+            <a:ahLst/>
+            <a:cxnLst>
+              <a:cxn ang="0">
+                <a:pos x="T0" y="T1"/>
+              </a:cxn>
+              <a:cxn ang="0">
+                <a:pos x="T2" y="T3"/>
+              </a:cxn>
+              <a:cxn ang="0">
+                <a:pos x="T4" y="T5"/>
+              </a:cxn>
+              <a:cxn ang="0">
+                <a:pos x="T6" y="T7"/>
+              </a:cxn>
+              <a:cxn ang="0">
+                <a:pos x="T8" y="T9"/>
+              </a:cxn>
+              <a:cxn ang="0">
+                <a:pos x="T10" y="T11"/>
+              </a:cxn>
+            </a:cxnLst>
+            <a:rect l="0" t="0" r="r" b="b"/>
+            <a:pathLst>
+              <a:path w="1709" h="1709">
+                <a:moveTo>
+                  <a:pt x="0" y="986"/>
+                </a:moveTo>
+                <a:lnTo>
+                  <a:pt x="0" y="0"/>
+                </a:lnTo>
+                <a:lnTo>
+                  <a:pt x="987" y="0"/>
+                </a:lnTo>
+                <a:lnTo>
+                  <a:pt x="1709" y="722"/>
+                </a:lnTo>
+                <a:lnTo>
+                  <a:pt x="721" y="1709"/>
+                </a:lnTo>
+                <a:lnTo>
+                  <a:pt x="0" y="986"/>
+                </a:lnTo>
+              </a:path>
+            </a:pathLst>
+          </a:custGeom>
+          <a:noFill/>
+          <a:ln>
+            <a:noFill/>
+          </a:ln>
+          <a:extLst>
+            <a:ext uri="{909E8E84-426E-40dd-AFC4-6F175D3DCCD1}">
+              <a14:hiddenFill xmlns:a14="http://schemas.microsoft.com/office/drawing/2010/main">
+                <a:solidFill>
+                  <a:srgbClr val="FFFFFF"/>
+                </a:solidFill>
+              </a14:hiddenFill>
+            </a:ext>
+            <a:ext uri="{91240B29-F687-4f45-9708-019B960494DF}">
+              <a14:hiddenLine xmlns:a14="http://schemas.microsoft.com/office/drawing/2010/main" w="9525">
+                <a:solidFill>
+                  <a:srgbClr val="000000"/>
+                </a:solidFill>
+                <a:round/>
+              </a14:hiddenLine>
+            </a:ext>
+          </a:extLst>
+        </p:spPr>
+        <p:txBody>
+          <a:bodyPr vert="horz" wrap="square" lIns="91440" tIns="45720" rIns="91440" bIns="45720" numCol="1" anchor="t" anchorCtr="0" compatLnSpc="1"/>
+          <a:lstStyle/>
+          <a:p>
+            <a:pPr marL="0" marR="0" lvl="0" indent="0" defTabSz="914400" eaLnBrk="1" latinLnBrk="0" hangingPunct="1">
+              <a:spcBef>
+                <a:spcPts val="0"/>
+              </a:spcBef>
+              <a:spcAft>
+                <a:spcPts val="0"/>
+              </a:spcAft>
+              <a:buClrTx/>
+              <a:buSzTx/>
+              <a:buFontTx/>
+              <a:buNone/>
+              <a:defRPr/>
+            </a:pPr>
+            <a:endParaRPr kumimoji="0" lang="zh-CN" altLang="en-US" sz="1800" b="0" i="0" u="none" strike="noStrike" kern="0" cap="none" spc="0" normalizeH="0" baseline="0" noProof="0">
+              <a:ln>
+                <a:noFill/>
+              </a:ln>
+              <a:solidFill>
+                <a:sysClr val="windowText" lastClr="000000"/>
+              </a:solidFill>
+              <a:effectLst/>
+              <a:uLnTx/>
+              <a:uFillTx/>
+            </a:endParaRPr>
+          </a:p>
+        </p:txBody>
+      </p:sp>
+      <p:sp>
+        <p:nvSpPr>
+          <p:cNvPr id="4" name="文本框 3"/>
+          <p:cNvSpPr txBox="1"/>
+          <p:nvPr/>
+        </p:nvSpPr>
+        <p:spPr>
+          <a:xfrm>
+            <a:off x="4151784" y="764704"/>
+            <a:ext cx="4392488" cy="461665"/>
+          </a:xfrm>
+          <a:prstGeom prst="rect">
+            <a:avLst/>
+          </a:prstGeom>
+          <a:noFill/>
+        </p:spPr>
+        <p:txBody>
+          <a:bodyPr wrap="square" rtlCol="0">
+            <a:spAutoFit/>
+          </a:bodyPr>
+          <a:lstStyle/>
+          <a:p>
+            <a:r>
+              <a:rPr kumimoji="1" lang="zh-CN" altLang="en-US" sz="2400" b="1" dirty="0"/>
+              <a:t>对本职工作的认知要求及目标</a:t>
+            </a:r>
+            <a:endParaRPr kumimoji="1" lang="zh-CN" altLang="en-US" sz="2400" b="1" dirty="0"/>
+          </a:p>
+        </p:txBody>
+      </p:sp>
+      <p:sp>
+        <p:nvSpPr>
+          <p:cNvPr id="5" name="文本框 4"/>
+          <p:cNvSpPr txBox="1"/>
+          <p:nvPr/>
+        </p:nvSpPr>
+        <p:spPr>
+          <a:xfrm>
+            <a:off x="1343472" y="1412776"/>
+            <a:ext cx="9145016" cy="4308872"/>
+          </a:xfrm>
+          <a:prstGeom prst="rect">
+            <a:avLst/>
+          </a:prstGeom>
+          <a:noFill/>
+        </p:spPr>
+        <p:txBody>
+          <a:bodyPr wrap="square" rtlCol="0">
+            <a:spAutoFit/>
+          </a:bodyPr>
+          <a:lstStyle/>
+          <a:p>
+            <a:r>
+              <a:rPr kumimoji="1" lang="en-US" altLang="zh-CN" sz="2000" b="1" dirty="0" smtClean="0"/>
+              <a:t>3.</a:t>
+            </a:r>
+            <a:r>
+              <a:rPr kumimoji="1" lang="zh-CN" altLang="en-US" sz="2000" b="1" dirty="0" smtClean="0"/>
+              <a:t>工作中可改进的地方</a:t>
+            </a:r>
+            <a:endParaRPr kumimoji="1" lang="en-US" altLang="zh-CN" sz="2000" b="1" dirty="0" smtClean="0"/>
+          </a:p>
+          <a:p>
+            <a:r>
+              <a:rPr kumimoji="1" lang="en-US" altLang="en-US" dirty="0" smtClean="0"/>
+              <a:t>1.</a:t>
+            </a:r>
+            <a:r>
+              <a:rPr kumimoji="1" lang="zh-CN" altLang="en-US" dirty="0" smtClean="0"/>
+              <a:t>制定公司前端开发规范，不仅能规范小组内各成员的编码习惯，同时也能指引新员工更快速的熟悉工作流程，也能形成公司自己的资产</a:t>
+            </a:r>
+            <a:endParaRPr kumimoji="1" lang="en-US" altLang="zh-CN" dirty="0" smtClean="0"/>
+          </a:p>
+          <a:p>
+            <a:r>
+              <a:rPr kumimoji="1" lang="zh-CN" altLang="zh-CN" dirty="0" smtClean="0"/>
+              <a:t>2</a:t>
+            </a:r>
+            <a:r>
+              <a:rPr kumimoji="1" lang="en-US" altLang="zh-CN" dirty="0" smtClean="0"/>
+              <a:t>.</a:t>
+            </a:r>
+            <a:r>
+              <a:rPr kumimoji="1" lang="zh-CN" altLang="en-US" dirty="0" smtClean="0"/>
+              <a:t>小组内抽出时间做技术分享和</a:t>
+            </a:r>
+            <a:r>
+              <a:rPr kumimoji="1" lang="en-US" altLang="zh-CN" dirty="0" smtClean="0"/>
+              <a:t>code</a:t>
+            </a:r>
+            <a:r>
+              <a:rPr kumimoji="1" lang="zh-CN" altLang="en-US" dirty="0" smtClean="0"/>
+              <a:t> </a:t>
+            </a:r>
+            <a:r>
+              <a:rPr kumimoji="1" lang="en-US" altLang="zh-CN" dirty="0" smtClean="0"/>
+              <a:t>review</a:t>
+            </a:r>
+            <a:r>
+              <a:rPr kumimoji="1" lang="zh-CN" altLang="en-US" dirty="0" smtClean="0"/>
+              <a:t>，将常用的功能模块集成，有利于后期的研发与维护</a:t>
+            </a:r>
+            <a:endParaRPr kumimoji="1" lang="en-US" altLang="zh-CN" dirty="0" smtClean="0"/>
+          </a:p>
+          <a:p>
+            <a:r>
+              <a:rPr kumimoji="1" lang="zh-CN" altLang="zh-CN" dirty="0" smtClean="0"/>
+              <a:t>3</a:t>
+            </a:r>
+            <a:r>
+              <a:rPr kumimoji="1" lang="en-US" altLang="zh-CN" dirty="0" smtClean="0"/>
+              <a:t>.</a:t>
+            </a:r>
+            <a:r>
+              <a:rPr kumimoji="1" lang="zh-CN" altLang="en-US" dirty="0" smtClean="0"/>
+              <a:t>尝试对公司现有</a:t>
+            </a:r>
+            <a:r>
+              <a:rPr kumimoji="1" lang="en-US" altLang="zh-CN" dirty="0" smtClean="0"/>
+              <a:t>PC</a:t>
+            </a:r>
+            <a:r>
+              <a:rPr kumimoji="1" lang="zh-CN" altLang="en-US" dirty="0" smtClean="0"/>
+              <a:t>端前端框架更改为与</a:t>
+            </a:r>
+            <a:r>
+              <a:rPr kumimoji="1" lang="en-US" altLang="zh-CN" dirty="0" smtClean="0"/>
+              <a:t>APP</a:t>
+            </a:r>
+            <a:r>
+              <a:rPr kumimoji="1" lang="zh-CN" altLang="en-US" dirty="0" smtClean="0"/>
+              <a:t>端一致，这样既能满足需求同时也能提高研发效率</a:t>
+            </a:r>
+            <a:endParaRPr kumimoji="1" lang="en-US" altLang="zh-CN" dirty="0" smtClean="0"/>
+          </a:p>
+          <a:p>
+            <a:r>
+              <a:rPr kumimoji="1" lang="en-US" altLang="zh-CN" dirty="0" smtClean="0">
+                <a:latin typeface="+mn-ea"/>
+              </a:rPr>
+              <a:t>4.</a:t>
+            </a:r>
+            <a:r>
+              <a:rPr kumimoji="1" lang="en-US" altLang="en-US" dirty="0" smtClean="0">
+                <a:latin typeface="+mn-ea"/>
+              </a:rPr>
+              <a:t>优化工作流程，在与后端交接时需要前后端共同制定接口规范，达到真正的前后端分离开发</a:t>
+            </a:r>
+            <a:endParaRPr kumimoji="1" lang="en-US" altLang="zh-CN" dirty="0" smtClean="0">
+              <a:latin typeface="+mn-ea"/>
+            </a:endParaRPr>
+          </a:p>
+          <a:p>
+            <a:endParaRPr kumimoji="1" lang="en-US" altLang="zh-CN" dirty="0" smtClean="0"/>
+          </a:p>
+          <a:p>
+            <a:r>
+              <a:rPr kumimoji="1" lang="en-US" altLang="zh-CN" sz="2000" b="1" dirty="0" smtClean="0"/>
+              <a:t>4.</a:t>
+            </a:r>
+            <a:r>
+              <a:rPr kumimoji="1" lang="zh-CN" altLang="en-US" sz="2000" b="1" dirty="0" smtClean="0"/>
+              <a:t>下一步的工作目标</a:t>
+            </a:r>
+            <a:endParaRPr kumimoji="1" lang="en-US" altLang="zh-CN" sz="2000" b="1" dirty="0" smtClean="0"/>
+          </a:p>
+          <a:p>
+            <a:r>
+              <a:rPr kumimoji="1" lang="en-US" altLang="zh-CN" dirty="0" smtClean="0"/>
+              <a:t>1.</a:t>
+            </a:r>
+            <a:r>
+              <a:rPr kumimoji="1" lang="zh-CN" altLang="en-US" dirty="0" smtClean="0"/>
+              <a:t>按时高效率的完成各项工作安排</a:t>
+            </a:r>
+            <a:endParaRPr kumimoji="1" lang="en-US" altLang="zh-CN" dirty="0" smtClean="0"/>
+          </a:p>
+          <a:p>
+            <a:r>
+              <a:rPr kumimoji="1" lang="zh-CN" altLang="zh-CN" dirty="0" smtClean="0"/>
+              <a:t>2</a:t>
+            </a:r>
+            <a:r>
+              <a:rPr kumimoji="1" lang="zh-CN" altLang="zh-CN" dirty="0"/>
+              <a:t>.</a:t>
+            </a:r>
+            <a:r>
+              <a:rPr kumimoji="1" lang="zh-CN" altLang="en-US" dirty="0" smtClean="0"/>
+              <a:t>将工作中可改进的地方</a:t>
+            </a:r>
+            <a:r>
+              <a:rPr kumimoji="1" lang="zh-CN" altLang="en-US" dirty="0" smtClean="0"/>
+              <a:t>进一步落实</a:t>
+            </a:r>
+            <a:endParaRPr kumimoji="1" lang="en-US" altLang="zh-CN" dirty="0" smtClean="0"/>
+          </a:p>
+          <a:p>
+            <a:r>
+              <a:rPr kumimoji="1" lang="en-US" altLang="zh-CN" dirty="0" smtClean="0">
+                <a:latin typeface="+mn-ea"/>
+              </a:rPr>
+              <a:t>3.</a:t>
+            </a:r>
+            <a:r>
+              <a:rPr kumimoji="1" lang="zh-CN" altLang="en-US" dirty="0" smtClean="0">
+                <a:latin typeface="+mn-ea"/>
+              </a:rPr>
+              <a:t>进一步优化自己的代码</a:t>
+            </a:r>
+            <a:endParaRPr kumimoji="1" lang="en-US" altLang="zh-CN" dirty="0" smtClean="0">
+              <a:latin typeface="+mn-ea"/>
+            </a:endParaRPr>
+          </a:p>
+          <a:p>
+            <a:r>
+              <a:rPr kumimoji="1" lang="zh-CN" altLang="zh-CN" dirty="0" smtClean="0">
+                <a:latin typeface="+mn-ea"/>
+              </a:rPr>
+              <a:t>4.</a:t>
+            </a:r>
+            <a:r>
+              <a:rPr kumimoji="1" lang="zh-CN" altLang="en-US" dirty="0" smtClean="0">
+                <a:latin typeface="+mn-ea"/>
+              </a:rPr>
+              <a:t>加强学习，提升自己的工作技能</a:t>
+            </a:r>
+            <a:endParaRPr kumimoji="1" lang="en-US" altLang="zh-CN" dirty="0" smtClean="0">
+              <a:latin typeface="+mn-ea"/>
+            </a:endParaRPr>
+          </a:p>
+        </p:txBody>
+      </p:sp>
+    </p:spTree>
+    <p:extLst>
+      <p:ext uri="{BB962C8B-B14F-4D97-AF65-F5344CB8AC3E}">
+        <p14:creationId xmlns:p14="http://schemas.microsoft.com/office/powerpoint/2010/main" val="1190581490"/>
+      </p:ext>
+    </p:extLst>
+  </p:cSld>
+  <p:clrMapOvr>
+    <a:masterClrMapping/>
+  </p:clrMapOvr>
+</p:sld>
+</file>
+
 <file path=ppt/slides/slide6.xml><?xml version="1.0" encoding="utf-8"?>
+<p:sld xmlns:a="http://schemas.openxmlformats.org/drawingml/2006/main" xmlns:r="http://schemas.openxmlformats.org/officeDocument/2006/relationships" xmlns:p="http://schemas.openxmlformats.org/presentationml/2006/main">
+  <p:cSld>
+    <p:spTree>
+      <p:nvGrpSpPr>
+        <p:cNvPr id="1" name=""/>
+        <p:cNvGrpSpPr/>
+        <p:nvPr/>
+      </p:nvGrpSpPr>
+      <p:grpSpPr>
+        <a:xfrm>
+          <a:off x="0" y="0"/>
+          <a:ext cx="0" cy="0"/>
+          <a:chOff x="0" y="0"/>
+          <a:chExt cx="0" cy="0"/>
+        </a:xfrm>
+      </p:grpSpPr>
+      <p:sp>
+        <p:nvSpPr>
+          <p:cNvPr id="2" name="文本框 1"/>
+          <p:cNvSpPr txBox="1"/>
+          <p:nvPr/>
+        </p:nvSpPr>
+        <p:spPr>
+          <a:xfrm>
+            <a:off x="4943872" y="764704"/>
+            <a:ext cx="3816424" cy="461665"/>
+          </a:xfrm>
+          <a:prstGeom prst="rect">
+            <a:avLst/>
+          </a:prstGeom>
+          <a:noFill/>
+        </p:spPr>
+        <p:txBody>
+          <a:bodyPr wrap="square" rtlCol="0">
+            <a:spAutoFit/>
+          </a:bodyPr>
+          <a:lstStyle/>
+          <a:p>
+            <a:r>
+              <a:rPr kumimoji="1" lang="zh-CN" altLang="en-US" sz="2400" b="1" dirty="0" smtClean="0"/>
+              <a:t>自己的期望</a:t>
+            </a:r>
+            <a:endParaRPr kumimoji="1" lang="zh-CN" altLang="en-US" sz="2400" b="1" dirty="0"/>
+          </a:p>
+        </p:txBody>
+      </p:sp>
+      <p:sp>
+        <p:nvSpPr>
+          <p:cNvPr id="4" name="文本框 3"/>
+          <p:cNvSpPr txBox="1"/>
+          <p:nvPr/>
+        </p:nvSpPr>
+        <p:spPr>
+          <a:xfrm>
+            <a:off x="1559496" y="1700808"/>
+            <a:ext cx="9505056" cy="2369880"/>
+          </a:xfrm>
+          <a:prstGeom prst="rect">
+            <a:avLst/>
+          </a:prstGeom>
+          <a:noFill/>
+        </p:spPr>
+        <p:txBody>
+          <a:bodyPr wrap="square" rtlCol="0">
+            <a:spAutoFit/>
+          </a:bodyPr>
+          <a:lstStyle/>
+          <a:p>
+            <a:r>
+              <a:rPr kumimoji="1" lang="en-US" altLang="zh-CN" sz="2000" b="1" dirty="0" smtClean="0"/>
+              <a:t>1.</a:t>
+            </a:r>
+            <a:r>
+              <a:rPr kumimoji="1" lang="zh-CN" altLang="en-US" sz="2000" b="1" dirty="0" smtClean="0"/>
+              <a:t>自己期望提升</a:t>
+            </a:r>
+            <a:endParaRPr kumimoji="1" lang="en-US" altLang="zh-CN" sz="2000" b="1" dirty="0" smtClean="0"/>
+          </a:p>
+          <a:p>
+            <a:r>
+              <a:rPr kumimoji="1" lang="zh-CN" altLang="en-US" dirty="0" smtClean="0">
+                <a:latin typeface="+mn-ea"/>
+              </a:rPr>
+              <a:t>在按时完成各项工作安排的基础上，加强对后端技能的学习，打通前后端更有利于解决工作中遇到的各种问题</a:t>
+            </a:r>
+            <a:endParaRPr kumimoji="1" lang="en-US" altLang="zh-CN" dirty="0" smtClean="0">
+              <a:latin typeface="+mn-ea"/>
+            </a:endParaRPr>
+          </a:p>
+          <a:p>
+            <a:endParaRPr kumimoji="1" lang="en-US" altLang="zh-CN" dirty="0" smtClean="0">
+              <a:latin typeface="+mn-ea"/>
+            </a:endParaRPr>
+          </a:p>
+          <a:p>
+            <a:endParaRPr kumimoji="1" lang="en-US" altLang="zh-CN" dirty="0" smtClean="0">
+              <a:latin typeface="+mn-ea"/>
+            </a:endParaRPr>
+          </a:p>
+          <a:p>
+            <a:r>
+              <a:rPr kumimoji="1" lang="zh-CN" altLang="zh-CN" sz="2000" b="1" dirty="0" smtClean="0"/>
+              <a:t>2</a:t>
+            </a:r>
+            <a:r>
+              <a:rPr kumimoji="1" lang="en-US" altLang="zh-CN" sz="2000" b="1" dirty="0" smtClean="0"/>
+              <a:t>.</a:t>
+            </a:r>
+            <a:r>
+              <a:rPr kumimoji="1" lang="zh-CN" altLang="en-US" sz="2000" b="1" dirty="0" smtClean="0"/>
+              <a:t>对公司的期望</a:t>
+            </a:r>
+            <a:endParaRPr kumimoji="1" lang="en-US" altLang="zh-CN" sz="2000" b="1" dirty="0" smtClean="0"/>
+          </a:p>
+          <a:p>
+            <a:r>
+              <a:rPr kumimoji="1" lang="zh-CN" altLang="en-US" dirty="0" smtClean="0">
+                <a:latin typeface="+mn-ea"/>
+              </a:rPr>
+              <a:t>鉴于公司业务繁忙，</a:t>
+            </a:r>
+            <a:r>
+              <a:rPr kumimoji="1" lang="zh-CN" altLang="en-US" dirty="0" smtClean="0">
+                <a:latin typeface="+mn-ea"/>
+              </a:rPr>
+              <a:t>目前</a:t>
+            </a:r>
+            <a:r>
+              <a:rPr kumimoji="1" lang="zh-CN" altLang="en-US" dirty="0" smtClean="0">
+                <a:latin typeface="+mn-ea"/>
+              </a:rPr>
+              <a:t>整个前端小组加班频繁，希望公司配备</a:t>
+            </a:r>
+            <a:r>
+              <a:rPr kumimoji="1" lang="zh-CN" altLang="zh-CN" dirty="0" smtClean="0">
+                <a:latin typeface="+mn-ea"/>
+              </a:rPr>
+              <a:t>5</a:t>
+            </a:r>
+            <a:r>
+              <a:rPr kumimoji="1" lang="zh-CN" altLang="en-US" dirty="0" smtClean="0">
+                <a:latin typeface="+mn-ea"/>
+              </a:rPr>
+              <a:t>名前端发开</a:t>
+            </a:r>
+            <a:r>
+              <a:rPr kumimoji="1" lang="zh-CN" altLang="zh-CN" dirty="0" smtClean="0">
+                <a:latin typeface="+mn-ea"/>
+              </a:rPr>
+              <a:t>。</a:t>
+            </a:r>
+            <a:endParaRPr kumimoji="1" lang="en-US" altLang="zh-CN" dirty="0" smtClean="0">
+              <a:latin typeface="+mn-ea"/>
+            </a:endParaRPr>
+          </a:p>
+          <a:p>
+            <a:r>
+              <a:rPr kumimoji="1" lang="zh-CN" altLang="en-US" dirty="0" smtClean="0">
+                <a:latin typeface="+mn-ea"/>
+              </a:rPr>
+              <a:t>构建公司图书馆及技术资产库</a:t>
+            </a:r>
+            <a:endParaRPr kumimoji="1" lang="zh-CN" altLang="en-US" dirty="0">
+              <a:latin typeface="+mn-ea"/>
+            </a:endParaRPr>
+          </a:p>
+        </p:txBody>
+      </p:sp>
+    </p:spTree>
+    <p:extLst>
+      <p:ext uri="{BB962C8B-B14F-4D97-AF65-F5344CB8AC3E}">
+        <p14:creationId xmlns:p14="http://schemas.microsoft.com/office/powerpoint/2010/main" val="4234886115"/>
+      </p:ext>
+    </p:extLst>
+  </p:cSld>
+  <p:clrMapOvr>
+    <a:masterClrMapping/>
+  </p:clrMapOvr>
+</p:sld>
+</file>
+
+<file path=ppt/slides/slide7.xml><?xml version="1.0" encoding="utf-8"?>
 <p:sld xmlns:a="http://schemas.openxmlformats.org/drawingml/2006/main" xmlns:r="http://schemas.openxmlformats.org/officeDocument/2006/relationships" xmlns:p="http://schemas.openxmlformats.org/presentationml/2006/main">
   <p:cSld>
     <p:spTree>
@@ -4175,7 +4431,7 @@
         </p:blipFill>
         <p:spPr>
           <a:xfrm>
-            <a:off x="4943872" y="2204864"/>
+            <a:off x="5015880" y="1988840"/>
             <a:ext cx="1583905" cy="1583905"/>
           </a:xfrm>
           <a:prstGeom prst="rect">
@@ -4183,6 +4439,37 @@
           </a:prstGeom>
         </p:spPr>
       </p:pic>
+      <p:sp>
+        <p:nvSpPr>
+          <p:cNvPr id="2" name="文本框 1"/>
+          <p:cNvSpPr txBox="1"/>
+          <p:nvPr/>
+        </p:nvSpPr>
+        <p:spPr>
+          <a:xfrm>
+            <a:off x="4943872" y="3717032"/>
+            <a:ext cx="1872208" cy="461665"/>
+          </a:xfrm>
+          <a:prstGeom prst="rect">
+            <a:avLst/>
+          </a:prstGeom>
+          <a:noFill/>
+        </p:spPr>
+        <p:txBody>
+          <a:bodyPr wrap="square" rtlCol="0">
+            <a:spAutoFit/>
+          </a:bodyPr>
+          <a:lstStyle/>
+          <a:p>
+            <a:pPr algn="ctr"/>
+            <a:r>
+              <a:rPr kumimoji="1" lang="zh-CN" altLang="en-US" sz="2400" dirty="0" smtClean="0"/>
+              <a:t>谢谢浏览！</a:t>
+            </a:r>
+            <a:endParaRPr kumimoji="1" lang="zh-CN" altLang="en-US" sz="2400" dirty="0"/>
+          </a:p>
+        </p:txBody>
+      </p:sp>
     </p:spTree>
   </p:cSld>
   <p:clrMapOvr>
@@ -4482,7 +4769,7 @@
   <a:extraClrSchemeLst/>
   <a:extLst>
     <a:ext uri="{05A4C25C-085E-4340-85A3-A5531E510DB2}">
-      <thm15:themeFamily xmlns:thm15="http://schemas.microsoft.com/office/thememl/2012/main" xmlns="" name="Office Theme" id="{62F939B6-93AF-4DB8-9C6B-D6C7DFDC589F}" vid="{4A3C46E8-61CC-4603-A589-7422A47A8E4A}"/>
+      <thm15:themeFamily xmlns="" xmlns:thm15="http://schemas.microsoft.com/office/thememl/2012/main" name="Office Theme" id="{62F939B6-93AF-4DB8-9C6B-D6C7DFDC589F}" vid="{4A3C46E8-61CC-4603-A589-7422A47A8E4A}"/>
     </a:ext>
   </a:extLst>
 </a:theme>
@@ -4772,7 +5059,7 @@
   <a:extraClrSchemeLst/>
   <a:extLst>
     <a:ext uri="{05A4C25C-085E-4340-85A3-A5531E510DB2}">
-      <thm15:themeFamily xmlns:thm15="http://schemas.microsoft.com/office/thememl/2012/main" xmlns="" name="Office Theme" id="{62F939B6-93AF-4DB8-9C6B-D6C7DFDC589F}" vid="{4A3C46E8-61CC-4603-A589-7422A47A8E4A}"/>
+      <thm15:themeFamily xmlns="" xmlns:thm15="http://schemas.microsoft.com/office/thememl/2012/main" name="Office Theme" id="{62F939B6-93AF-4DB8-9C6B-D6C7DFDC589F}" vid="{4A3C46E8-61CC-4603-A589-7422A47A8E4A}"/>
     </a:ext>
   </a:extLst>
 </a:theme>
